--- a/Chapitre_01_Correction/TP/TP_01_Avion/TP_Avion.pptx
+++ b/Chapitre_01_Correction/TP/TP_01_Avion/TP_Avion.pptx
@@ -5,11 +5,12 @@
     <p:sldMasterId id="2147483648" r:id="rId1"/>
   </p:sldMasterIdLst>
   <p:notesMasterIdLst>
-    <p:notesMasterId r:id="rId4"/>
+    <p:notesMasterId r:id="rId5"/>
   </p:notesMasterIdLst>
   <p:sldIdLst>
     <p:sldId id="256" r:id="rId2"/>
-    <p:sldId id="257" r:id="rId3"/>
+    <p:sldId id="258" r:id="rId3"/>
+    <p:sldId id="257" r:id="rId4"/>
   </p:sldIdLst>
   <p:sldSz cx="12192000" cy="6858000"/>
   <p:notesSz cx="6858000" cy="9144000"/>
@@ -198,7 +199,7 @@
           <a:p>
             <a:fld id="{C240C68A-5976-4C18-963E-6265CB2FA456}" type="datetimeFigureOut">
               <a:rPr lang="fr-FR" smtClean="0"/>
-              <a:t>19/10/2018</a:t>
+              <a:t>12/11/2020</a:t>
             </a:fld>
             <a:endParaRPr lang="fr-FR"/>
           </a:p>
@@ -549,6 +550,90 @@
 </p:notes>
 </file>
 
+<file path=ppt/notesSlides/notesSlide2.xml><?xml version="1.0" encoding="utf-8"?>
+<p:notes xmlns:a="http://schemas.openxmlformats.org/drawingml/2006/main" xmlns:r="http://schemas.openxmlformats.org/officeDocument/2006/relationships" xmlns:p="http://schemas.openxmlformats.org/presentationml/2006/main">
+  <p:cSld>
+    <p:spTree>
+      <p:nvGrpSpPr>
+        <p:cNvPr id="1" name=""/>
+        <p:cNvGrpSpPr/>
+        <p:nvPr/>
+      </p:nvGrpSpPr>
+      <p:grpSpPr>
+        <a:xfrm>
+          <a:off x="0" y="0"/>
+          <a:ext cx="0" cy="0"/>
+          <a:chOff x="0" y="0"/>
+          <a:chExt cx="0" cy="0"/>
+        </a:xfrm>
+      </p:grpSpPr>
+      <p:sp>
+        <p:nvSpPr>
+          <p:cNvPr id="2" name="Espace réservé de l'image des diapositives 1"/>
+          <p:cNvSpPr>
+            <a:spLocks noGrp="1" noRot="1" noChangeAspect="1"/>
+          </p:cNvSpPr>
+          <p:nvPr>
+            <p:ph type="sldImg"/>
+          </p:nvPr>
+        </p:nvSpPr>
+        <p:spPr/>
+      </p:sp>
+      <p:sp>
+        <p:nvSpPr>
+          <p:cNvPr id="3" name="Espace réservé des notes 2"/>
+          <p:cNvSpPr>
+            <a:spLocks noGrp="1"/>
+          </p:cNvSpPr>
+          <p:nvPr>
+            <p:ph type="body" idx="1"/>
+          </p:nvPr>
+        </p:nvSpPr>
+        <p:spPr/>
+        <p:txBody>
+          <a:bodyPr/>
+          <a:lstStyle/>
+          <a:p>
+            <a:endParaRPr lang="fr-FR" dirty="0"/>
+          </a:p>
+        </p:txBody>
+      </p:sp>
+      <p:sp>
+        <p:nvSpPr>
+          <p:cNvPr id="4" name="Espace réservé du numéro de diapositive 3"/>
+          <p:cNvSpPr>
+            <a:spLocks noGrp="1"/>
+          </p:cNvSpPr>
+          <p:nvPr>
+            <p:ph type="sldNum" sz="quarter" idx="5"/>
+          </p:nvPr>
+        </p:nvSpPr>
+        <p:spPr/>
+        <p:txBody>
+          <a:bodyPr/>
+          <a:lstStyle/>
+          <a:p>
+            <a:fld id="{ABFCAC38-E2C3-4590-82B5-4ADD7A36ECFF}" type="slidenum">
+              <a:rPr lang="fr-FR" smtClean="0"/>
+              <a:t>2</a:t>
+            </a:fld>
+            <a:endParaRPr lang="fr-FR"/>
+          </a:p>
+        </p:txBody>
+      </p:sp>
+    </p:spTree>
+    <p:extLst>
+      <p:ext uri="{BB962C8B-B14F-4D97-AF65-F5344CB8AC3E}">
+        <p14:creationId xmlns:p14="http://schemas.microsoft.com/office/powerpoint/2010/main" val="592023323"/>
+      </p:ext>
+    </p:extLst>
+  </p:cSld>
+  <p:clrMapOvr>
+    <a:masterClrMapping/>
+  </p:clrMapOvr>
+</p:notes>
+</file>
+
 <file path=ppt/slideLayouts/slideLayout1.xml><?xml version="1.0" encoding="utf-8"?>
 <p:sldLayout xmlns:a="http://schemas.openxmlformats.org/drawingml/2006/main" xmlns:r="http://schemas.openxmlformats.org/officeDocument/2006/relationships" xmlns:p="http://schemas.openxmlformats.org/presentationml/2006/main" type="title" preserve="1">
   <p:cSld name="Diapositive de titre">
@@ -696,7 +781,7 @@
           <a:p>
             <a:fld id="{66F8A6B5-34C3-435F-B410-3D1C8E753568}" type="datetimeFigureOut">
               <a:rPr lang="fr-FR" smtClean="0"/>
-              <a:t>19/10/2018</a:t>
+              <a:t>12/11/2020</a:t>
             </a:fld>
             <a:endParaRPr lang="fr-FR"/>
           </a:p>
@@ -894,7 +979,7 @@
           <a:p>
             <a:fld id="{66F8A6B5-34C3-435F-B410-3D1C8E753568}" type="datetimeFigureOut">
               <a:rPr lang="fr-FR" smtClean="0"/>
-              <a:t>19/10/2018</a:t>
+              <a:t>12/11/2020</a:t>
             </a:fld>
             <a:endParaRPr lang="fr-FR"/>
           </a:p>
@@ -1102,7 +1187,7 @@
           <a:p>
             <a:fld id="{66F8A6B5-34C3-435F-B410-3D1C8E753568}" type="datetimeFigureOut">
               <a:rPr lang="fr-FR" smtClean="0"/>
-              <a:t>19/10/2018</a:t>
+              <a:t>12/11/2020</a:t>
             </a:fld>
             <a:endParaRPr lang="fr-FR"/>
           </a:p>
@@ -1300,7 +1385,7 @@
           <a:p>
             <a:fld id="{66F8A6B5-34C3-435F-B410-3D1C8E753568}" type="datetimeFigureOut">
               <a:rPr lang="fr-FR" smtClean="0"/>
-              <a:t>19/10/2018</a:t>
+              <a:t>12/11/2020</a:t>
             </a:fld>
             <a:endParaRPr lang="fr-FR"/>
           </a:p>
@@ -1575,7 +1660,7 @@
           <a:p>
             <a:fld id="{66F8A6B5-34C3-435F-B410-3D1C8E753568}" type="datetimeFigureOut">
               <a:rPr lang="fr-FR" smtClean="0"/>
-              <a:t>19/10/2018</a:t>
+              <a:t>12/11/2020</a:t>
             </a:fld>
             <a:endParaRPr lang="fr-FR"/>
           </a:p>
@@ -1840,7 +1925,7 @@
           <a:p>
             <a:fld id="{66F8A6B5-34C3-435F-B410-3D1C8E753568}" type="datetimeFigureOut">
               <a:rPr lang="fr-FR" smtClean="0"/>
-              <a:t>19/10/2018</a:t>
+              <a:t>12/11/2020</a:t>
             </a:fld>
             <a:endParaRPr lang="fr-FR"/>
           </a:p>
@@ -2252,7 +2337,7 @@
           <a:p>
             <a:fld id="{66F8A6B5-34C3-435F-B410-3D1C8E753568}" type="datetimeFigureOut">
               <a:rPr lang="fr-FR" smtClean="0"/>
-              <a:t>19/10/2018</a:t>
+              <a:t>12/11/2020</a:t>
             </a:fld>
             <a:endParaRPr lang="fr-FR"/>
           </a:p>
@@ -2393,7 +2478,7 @@
           <a:p>
             <a:fld id="{66F8A6B5-34C3-435F-B410-3D1C8E753568}" type="datetimeFigureOut">
               <a:rPr lang="fr-FR" smtClean="0"/>
-              <a:t>19/10/2018</a:t>
+              <a:t>12/11/2020</a:t>
             </a:fld>
             <a:endParaRPr lang="fr-FR"/>
           </a:p>
@@ -2506,7 +2591,7 @@
           <a:p>
             <a:fld id="{66F8A6B5-34C3-435F-B410-3D1C8E753568}" type="datetimeFigureOut">
               <a:rPr lang="fr-FR" smtClean="0"/>
-              <a:t>19/10/2018</a:t>
+              <a:t>12/11/2020</a:t>
             </a:fld>
             <a:endParaRPr lang="fr-FR"/>
           </a:p>
@@ -2817,7 +2902,7 @@
           <a:p>
             <a:fld id="{66F8A6B5-34C3-435F-B410-3D1C8E753568}" type="datetimeFigureOut">
               <a:rPr lang="fr-FR" smtClean="0"/>
-              <a:t>19/10/2018</a:t>
+              <a:t>12/11/2020</a:t>
             </a:fld>
             <a:endParaRPr lang="fr-FR"/>
           </a:p>
@@ -3105,7 +3190,7 @@
           <a:p>
             <a:fld id="{66F8A6B5-34C3-435F-B410-3D1C8E753568}" type="datetimeFigureOut">
               <a:rPr lang="fr-FR" smtClean="0"/>
-              <a:t>19/10/2018</a:t>
+              <a:t>12/11/2020</a:t>
             </a:fld>
             <a:endParaRPr lang="fr-FR"/>
           </a:p>
@@ -3346,7 +3431,7 @@
           <a:p>
             <a:fld id="{66F8A6B5-34C3-435F-B410-3D1C8E753568}" type="datetimeFigureOut">
               <a:rPr lang="fr-FR" smtClean="0"/>
-              <a:t>19/10/2018</a:t>
+              <a:t>12/11/2020</a:t>
             </a:fld>
             <a:endParaRPr lang="fr-FR"/>
           </a:p>
@@ -3763,8 +3848,8 @@
           <a:chExt cx="0" cy="0"/>
         </a:xfrm>
       </p:grpSpPr>
-      <mc:AlternateContent xmlns:mc="http://schemas.openxmlformats.org/markup-compatibility/2006" xmlns:a14="http://schemas.microsoft.com/office/drawing/2010/main">
-        <mc:Choice Requires="a14">
+      <mc:AlternateContent xmlns:mc="http://schemas.openxmlformats.org/markup-compatibility/2006">
+        <mc:Choice xmlns:a14="http://schemas.microsoft.com/office/drawing/2010/main" Requires="a14">
           <p:graphicFrame>
             <p:nvGraphicFramePr>
               <p:cNvPr id="4" name="Tableau 3">
@@ -3780,10 +3865,3709 @@
               <p:nvPr>
                 <p:extLst>
                   <p:ext uri="{D42A27DB-BD31-4B8C-83A1-F6EECF244321}">
-                    <p14:modId xmlns:p14="http://schemas.microsoft.com/office/powerpoint/2010/main" val="2485968183"/>
+                    <p14:modId xmlns:p14="http://schemas.microsoft.com/office/powerpoint/2010/main" val="3655666923"/>
                   </p:ext>
                 </p:extLst>
               </p:nvPr>
+            </p:nvGraphicFramePr>
+            <p:xfrm>
+              <a:off x="0" y="558801"/>
+              <a:ext cx="12191992" cy="5991585"/>
+            </p:xfrm>
+            <a:graphic>
+              <a:graphicData uri="http://schemas.openxmlformats.org/drawingml/2006/table">
+                <a:tbl>
+                  <a:tblPr firstRow="1" bandRow="1">
+                    <a:tableStyleId>{073A0DAA-6AF3-43AB-8588-CEC1D06C72B9}</a:tableStyleId>
+                  </a:tblPr>
+                  <a:tblGrid>
+                    <a:gridCol w="1117600">
+                      <a:extLst>
+                        <a:ext uri="{9D8B030D-6E8A-4147-A177-3AD203B41FA5}">
+                          <a16:colId xmlns:a16="http://schemas.microsoft.com/office/drawing/2014/main" val="1307688907"/>
+                        </a:ext>
+                      </a:extLst>
+                    </a:gridCol>
+                    <a:gridCol w="843280">
+                      <a:extLst>
+                        <a:ext uri="{9D8B030D-6E8A-4147-A177-3AD203B41FA5}">
+                          <a16:colId xmlns:a16="http://schemas.microsoft.com/office/drawing/2014/main" val="2853866184"/>
+                        </a:ext>
+                      </a:extLst>
+                    </a:gridCol>
+                    <a:gridCol w="964694">
+                      <a:extLst>
+                        <a:ext uri="{9D8B030D-6E8A-4147-A177-3AD203B41FA5}">
+                          <a16:colId xmlns:a16="http://schemas.microsoft.com/office/drawing/2014/main" val="840737120"/>
+                        </a:ext>
+                      </a:extLst>
+                    </a:gridCol>
+                    <a:gridCol w="1323774">
+                      <a:extLst>
+                        <a:ext uri="{9D8B030D-6E8A-4147-A177-3AD203B41FA5}">
+                          <a16:colId xmlns:a16="http://schemas.microsoft.com/office/drawing/2014/main" val="3358697541"/>
+                        </a:ext>
+                      </a:extLst>
+                    </a:gridCol>
+                    <a:gridCol w="1323774">
+                      <a:extLst>
+                        <a:ext uri="{9D8B030D-6E8A-4147-A177-3AD203B41FA5}">
+                          <a16:colId xmlns:a16="http://schemas.microsoft.com/office/drawing/2014/main" val="796939262"/>
+                        </a:ext>
+                      </a:extLst>
+                    </a:gridCol>
+                    <a:gridCol w="1323774">
+                      <a:extLst>
+                        <a:ext uri="{9D8B030D-6E8A-4147-A177-3AD203B41FA5}">
+                          <a16:colId xmlns:a16="http://schemas.microsoft.com/office/drawing/2014/main" val="654630811"/>
+                        </a:ext>
+                      </a:extLst>
+                    </a:gridCol>
+                    <a:gridCol w="1323774">
+                      <a:extLst>
+                        <a:ext uri="{9D8B030D-6E8A-4147-A177-3AD203B41FA5}">
+                          <a16:colId xmlns:a16="http://schemas.microsoft.com/office/drawing/2014/main" val="3230945894"/>
+                        </a:ext>
+                      </a:extLst>
+                    </a:gridCol>
+                    <a:gridCol w="1323774">
+                      <a:extLst>
+                        <a:ext uri="{9D8B030D-6E8A-4147-A177-3AD203B41FA5}">
+                          <a16:colId xmlns:a16="http://schemas.microsoft.com/office/drawing/2014/main" val="404467286"/>
+                        </a:ext>
+                      </a:extLst>
+                    </a:gridCol>
+                    <a:gridCol w="1323774">
+                      <a:extLst>
+                        <a:ext uri="{9D8B030D-6E8A-4147-A177-3AD203B41FA5}">
+                          <a16:colId xmlns:a16="http://schemas.microsoft.com/office/drawing/2014/main" val="987177327"/>
+                        </a:ext>
+                      </a:extLst>
+                    </a:gridCol>
+                    <a:gridCol w="1323774">
+                      <a:extLst>
+                        <a:ext uri="{9D8B030D-6E8A-4147-A177-3AD203B41FA5}">
+                          <a16:colId xmlns:a16="http://schemas.microsoft.com/office/drawing/2014/main" val="3641033366"/>
+                        </a:ext>
+                      </a:extLst>
+                    </a:gridCol>
+                  </a:tblGrid>
+                  <a:tr h="579119">
+                    <a:tc>
+                      <a:txBody>
+                        <a:bodyPr/>
+                        <a:lstStyle/>
+                        <a:p>
+                          <a:endParaRPr lang="fr-FR" sz="1200" dirty="0">
+                            <a:solidFill>
+                              <a:schemeClr val="tx1"/>
+                            </a:solidFill>
+                          </a:endParaRPr>
+                        </a:p>
+                      </a:txBody>
+                      <a:tcPr anchor="ctr">
+                        <a:solidFill>
+                          <a:schemeClr val="bg2">
+                            <a:lumMod val="90000"/>
+                          </a:schemeClr>
+                        </a:solidFill>
+                      </a:tcPr>
+                    </a:tc>
+                    <a:tc>
+                      <a:txBody>
+                        <a:bodyPr/>
+                        <a:lstStyle/>
+                        <a:p>
+                          <a:pPr algn="ctr"/>
+                          <a:r>
+                            <a:rPr lang="fr-FR" sz="1200" b="1" i="0" dirty="0">
+                              <a:solidFill>
+                                <a:schemeClr val="tx1"/>
+                              </a:solidFill>
+                            </a:rPr>
+                            <a:t>Cahier des charges</a:t>
+                          </a:r>
+                        </a:p>
+                      </a:txBody>
+                      <a:tcPr anchor="ctr">
+                        <a:solidFill>
+                          <a:schemeClr val="bg2">
+                            <a:lumMod val="90000"/>
+                          </a:schemeClr>
+                        </a:solidFill>
+                      </a:tcPr>
+                    </a:tc>
+                    <a:tc>
+                      <a:txBody>
+                        <a:bodyPr/>
+                        <a:lstStyle/>
+                        <a:p>
+                          <a:pPr algn="ctr"/>
+                          <a:r>
+                            <a:rPr lang="fr-FR" sz="1200" b="1" dirty="0">
+                              <a:solidFill>
+                                <a:schemeClr val="tx1"/>
+                              </a:solidFill>
+                            </a:rPr>
+                            <a:t>Pas de correction</a:t>
+                          </a:r>
+                        </a:p>
+                      </a:txBody>
+                      <a:tcPr anchor="ctr">
+                        <a:solidFill>
+                          <a:schemeClr val="bg2">
+                            <a:lumMod val="90000"/>
+                          </a:schemeClr>
+                        </a:solidFill>
+                      </a:tcPr>
+                    </a:tc>
+                    <a:tc>
+                      <a:txBody>
+                        <a:bodyPr/>
+                        <a:lstStyle/>
+                        <a:p>
+                          <a:pPr algn="ctr"/>
+                          <a14:m>
+                            <m:oMathPara xmlns:m="http://schemas.openxmlformats.org/officeDocument/2006/math">
+                              <m:oMathParaPr>
+                                <m:jc m:val="centerGroup"/>
+                              </m:oMathParaPr>
+                              <m:oMath xmlns:m="http://schemas.openxmlformats.org/officeDocument/2006/math">
+                                <m:r>
+                                  <a:rPr lang="fr-FR" sz="1050" b="1" i="1" smtClean="0">
+                                    <a:solidFill>
+                                      <a:schemeClr val="tx1"/>
+                                    </a:solidFill>
+                                    <a:latin typeface="Cambria Math" panose="02040503050406030204" pitchFamily="18" charset="0"/>
+                                  </a:rPr>
+                                  <m:t>𝑪</m:t>
+                                </m:r>
+                                <m:d>
+                                  <m:dPr>
+                                    <m:ctrlPr>
+                                      <a:rPr lang="fr-FR" sz="1050" b="1" i="1" smtClean="0">
+                                        <a:solidFill>
+                                          <a:schemeClr val="tx1"/>
+                                        </a:solidFill>
+                                        <a:latin typeface="Cambria Math" panose="02040503050406030204" pitchFamily="18" charset="0"/>
+                                      </a:rPr>
+                                    </m:ctrlPr>
+                                  </m:dPr>
+                                  <m:e>
+                                    <m:r>
+                                      <a:rPr lang="fr-FR" sz="1050" b="1" i="1" smtClean="0">
+                                        <a:solidFill>
+                                          <a:schemeClr val="tx1"/>
+                                        </a:solidFill>
+                                        <a:latin typeface="Cambria Math" panose="02040503050406030204" pitchFamily="18" charset="0"/>
+                                      </a:rPr>
+                                      <m:t>𝒑</m:t>
+                                    </m:r>
+                                  </m:e>
+                                </m:d>
+                                <m:r>
+                                  <a:rPr lang="fr-FR" sz="1050" b="1" i="1" smtClean="0">
+                                    <a:solidFill>
+                                      <a:schemeClr val="tx1"/>
+                                    </a:solidFill>
+                                    <a:latin typeface="Cambria Math" panose="02040503050406030204" pitchFamily="18" charset="0"/>
+                                  </a:rPr>
+                                  <m:t>=</m:t>
+                                </m:r>
+                                <m:sSub>
+                                  <m:sSubPr>
+                                    <m:ctrlPr>
+                                      <a:rPr lang="fr-FR" sz="1050" b="1" i="1" smtClean="0">
+                                        <a:solidFill>
+                                          <a:schemeClr val="tx1"/>
+                                        </a:solidFill>
+                                        <a:latin typeface="Cambria Math" panose="02040503050406030204" pitchFamily="18" charset="0"/>
+                                      </a:rPr>
+                                    </m:ctrlPr>
+                                  </m:sSubPr>
+                                  <m:e>
+                                    <m:r>
+                                      <a:rPr lang="fr-FR" sz="1050" b="1" smtClean="0">
+                                        <a:solidFill>
+                                          <a:schemeClr val="tx1"/>
+                                        </a:solidFill>
+                                        <a:latin typeface="Cambria Math" panose="02040503050406030204" pitchFamily="18" charset="0"/>
+                                      </a:rPr>
+                                      <m:t>𝑲</m:t>
+                                    </m:r>
+                                  </m:e>
+                                  <m:sub>
+                                    <m:r>
+                                      <a:rPr lang="fr-FR" sz="1050" b="1" smtClean="0">
+                                        <a:solidFill>
+                                          <a:schemeClr val="tx1"/>
+                                        </a:solidFill>
+                                        <a:latin typeface="Cambria Math" panose="02040503050406030204" pitchFamily="18" charset="0"/>
+                                      </a:rPr>
+                                      <m:t>𝑷</m:t>
+                                    </m:r>
+                                  </m:sub>
+                                </m:sSub>
+                              </m:oMath>
+                            </m:oMathPara>
+                          </a14:m>
+                          <a:endParaRPr lang="fr-FR" sz="1050" b="1" dirty="0">
+                            <a:solidFill>
+                              <a:schemeClr val="tx1"/>
+                            </a:solidFill>
+                          </a:endParaRPr>
+                        </a:p>
+                      </a:txBody>
+                      <a:tcPr anchor="ctr">
+                        <a:solidFill>
+                          <a:schemeClr val="bg2">
+                            <a:lumMod val="90000"/>
+                          </a:schemeClr>
+                        </a:solidFill>
+                      </a:tcPr>
+                    </a:tc>
+                    <a:tc>
+                      <a:txBody>
+                        <a:bodyPr/>
+                        <a:lstStyle/>
+                        <a:p>
+                          <a:pPr algn="ctr"/>
+                          <a14:m>
+                            <m:oMathPara xmlns:m="http://schemas.openxmlformats.org/officeDocument/2006/math">
+                              <m:oMathParaPr>
+                                <m:jc m:val="centerGroup"/>
+                              </m:oMathParaPr>
+                              <m:oMath xmlns:m="http://schemas.openxmlformats.org/officeDocument/2006/math">
+                                <m:r>
+                                  <a:rPr lang="fr-FR" sz="1050" b="1" i="1" smtClean="0">
+                                    <a:solidFill>
+                                      <a:schemeClr val="tx1"/>
+                                    </a:solidFill>
+                                    <a:latin typeface="Cambria Math" panose="02040503050406030204" pitchFamily="18" charset="0"/>
+                                  </a:rPr>
+                                  <m:t>𝑪</m:t>
+                                </m:r>
+                                <m:d>
+                                  <m:dPr>
+                                    <m:ctrlPr>
+                                      <a:rPr lang="fr-FR" sz="1050" b="1" i="1" smtClean="0">
+                                        <a:solidFill>
+                                          <a:schemeClr val="tx1"/>
+                                        </a:solidFill>
+                                        <a:latin typeface="Cambria Math" panose="02040503050406030204" pitchFamily="18" charset="0"/>
+                                      </a:rPr>
+                                    </m:ctrlPr>
+                                  </m:dPr>
+                                  <m:e>
+                                    <m:r>
+                                      <a:rPr lang="fr-FR" sz="1050" b="1" i="1" smtClean="0">
+                                        <a:solidFill>
+                                          <a:schemeClr val="tx1"/>
+                                        </a:solidFill>
+                                        <a:latin typeface="Cambria Math" panose="02040503050406030204" pitchFamily="18" charset="0"/>
+                                      </a:rPr>
+                                      <m:t>𝒑</m:t>
+                                    </m:r>
+                                  </m:e>
+                                </m:d>
+                                <m:r>
+                                  <a:rPr lang="fr-FR" sz="1050" b="1" i="1" smtClean="0">
+                                    <a:solidFill>
+                                      <a:schemeClr val="tx1"/>
+                                    </a:solidFill>
+                                    <a:latin typeface="Cambria Math" panose="02040503050406030204" pitchFamily="18" charset="0"/>
+                                  </a:rPr>
+                                  <m:t>=</m:t>
+                                </m:r>
+                                <m:sSub>
+                                  <m:sSubPr>
+                                    <m:ctrlPr>
+                                      <a:rPr lang="fr-FR" sz="1050" b="1" i="1" smtClean="0">
+                                        <a:solidFill>
+                                          <a:schemeClr val="tx1"/>
+                                        </a:solidFill>
+                                        <a:latin typeface="Cambria Math" panose="02040503050406030204" pitchFamily="18" charset="0"/>
+                                      </a:rPr>
+                                    </m:ctrlPr>
+                                  </m:sSubPr>
+                                  <m:e>
+                                    <m:r>
+                                      <a:rPr lang="fr-FR" sz="1050" b="1" smtClean="0">
+                                        <a:solidFill>
+                                          <a:schemeClr val="tx1"/>
+                                        </a:solidFill>
+                                        <a:latin typeface="Cambria Math" panose="02040503050406030204" pitchFamily="18" charset="0"/>
+                                      </a:rPr>
+                                      <m:t>𝑲</m:t>
+                                    </m:r>
+                                  </m:e>
+                                  <m:sub>
+                                    <m:r>
+                                      <a:rPr lang="fr-FR" sz="1050" b="1" smtClean="0">
+                                        <a:solidFill>
+                                          <a:schemeClr val="tx1"/>
+                                        </a:solidFill>
+                                        <a:latin typeface="Cambria Math" panose="02040503050406030204" pitchFamily="18" charset="0"/>
+                                      </a:rPr>
+                                      <m:t>𝑷</m:t>
+                                    </m:r>
+                                  </m:sub>
+                                </m:sSub>
+                              </m:oMath>
+                            </m:oMathPara>
+                          </a14:m>
+                          <a:endParaRPr lang="fr-FR" sz="1050" b="1" dirty="0">
+                            <a:solidFill>
+                              <a:schemeClr val="tx1"/>
+                            </a:solidFill>
+                          </a:endParaRPr>
+                        </a:p>
+                      </a:txBody>
+                      <a:tcPr anchor="ctr">
+                        <a:solidFill>
+                          <a:schemeClr val="bg2">
+                            <a:lumMod val="90000"/>
+                          </a:schemeClr>
+                        </a:solidFill>
+                      </a:tcPr>
+                    </a:tc>
+                    <a:tc>
+                      <a:txBody>
+                        <a:bodyPr/>
+                        <a:lstStyle/>
+                        <a:p>
+                          <a:pPr algn="ctr"/>
+                          <a14:m>
+                            <m:oMathPara xmlns:m="http://schemas.openxmlformats.org/officeDocument/2006/math">
+                              <m:oMathParaPr>
+                                <m:jc m:val="centerGroup"/>
+                              </m:oMathParaPr>
+                              <m:oMath xmlns:m="http://schemas.openxmlformats.org/officeDocument/2006/math">
+                                <m:r>
+                                  <a:rPr lang="fr-FR" sz="1050" b="1" i="1" smtClean="0">
+                                    <a:solidFill>
+                                      <a:schemeClr val="tx1"/>
+                                    </a:solidFill>
+                                    <a:latin typeface="Cambria Math" panose="02040503050406030204" pitchFamily="18" charset="0"/>
+                                  </a:rPr>
+                                  <m:t>𝑪</m:t>
+                                </m:r>
+                                <m:d>
+                                  <m:dPr>
+                                    <m:ctrlPr>
+                                      <a:rPr lang="fr-FR" sz="1050" b="1" i="1" smtClean="0">
+                                        <a:solidFill>
+                                          <a:schemeClr val="tx1"/>
+                                        </a:solidFill>
+                                        <a:latin typeface="Cambria Math" panose="02040503050406030204" pitchFamily="18" charset="0"/>
+                                      </a:rPr>
+                                    </m:ctrlPr>
+                                  </m:dPr>
+                                  <m:e>
+                                    <m:r>
+                                      <a:rPr lang="fr-FR" sz="1050" b="1" i="1" smtClean="0">
+                                        <a:solidFill>
+                                          <a:schemeClr val="tx1"/>
+                                        </a:solidFill>
+                                        <a:latin typeface="Cambria Math" panose="02040503050406030204" pitchFamily="18" charset="0"/>
+                                      </a:rPr>
+                                      <m:t>𝒑</m:t>
+                                    </m:r>
+                                  </m:e>
+                                </m:d>
+                                <m:r>
+                                  <a:rPr lang="fr-FR" sz="1050" b="1" i="1" smtClean="0">
+                                    <a:solidFill>
+                                      <a:schemeClr val="tx1"/>
+                                    </a:solidFill>
+                                    <a:latin typeface="Cambria Math" panose="02040503050406030204" pitchFamily="18" charset="0"/>
+                                  </a:rPr>
+                                  <m:t>=</m:t>
+                                </m:r>
+                                <m:sSub>
+                                  <m:sSubPr>
+                                    <m:ctrlPr>
+                                      <a:rPr lang="fr-FR" sz="1050" b="1" i="1" smtClean="0">
+                                        <a:solidFill>
+                                          <a:schemeClr val="tx1"/>
+                                        </a:solidFill>
+                                        <a:latin typeface="Cambria Math" panose="02040503050406030204" pitchFamily="18" charset="0"/>
+                                      </a:rPr>
+                                    </m:ctrlPr>
+                                  </m:sSubPr>
+                                  <m:e>
+                                    <m:r>
+                                      <a:rPr lang="fr-FR" sz="1050" b="1" smtClean="0">
+                                        <a:solidFill>
+                                          <a:schemeClr val="tx1"/>
+                                        </a:solidFill>
+                                        <a:latin typeface="Cambria Math" panose="02040503050406030204" pitchFamily="18" charset="0"/>
+                                      </a:rPr>
+                                      <m:t>𝑲</m:t>
+                                    </m:r>
+                                  </m:e>
+                                  <m:sub>
+                                    <m:r>
+                                      <a:rPr lang="fr-FR" sz="1050" b="1" smtClean="0">
+                                        <a:solidFill>
+                                          <a:schemeClr val="tx1"/>
+                                        </a:solidFill>
+                                        <a:latin typeface="Cambria Math" panose="02040503050406030204" pitchFamily="18" charset="0"/>
+                                      </a:rPr>
+                                      <m:t>𝑷</m:t>
+                                    </m:r>
+                                  </m:sub>
+                                </m:sSub>
+                              </m:oMath>
+                            </m:oMathPara>
+                          </a14:m>
+                          <a:endParaRPr lang="fr-FR" sz="1050" b="1" dirty="0">
+                            <a:solidFill>
+                              <a:schemeClr val="tx1"/>
+                            </a:solidFill>
+                          </a:endParaRPr>
+                        </a:p>
+                      </a:txBody>
+                      <a:tcPr anchor="ctr">
+                        <a:solidFill>
+                          <a:schemeClr val="bg2">
+                            <a:lumMod val="90000"/>
+                          </a:schemeClr>
+                        </a:solidFill>
+                      </a:tcPr>
+                    </a:tc>
+                    <a:tc>
+                      <a:txBody>
+                        <a:bodyPr/>
+                        <a:lstStyle/>
+                        <a:p>
+                          <a:pPr marL="0" marR="0" lvl="0" indent="0" algn="ctr" defTabSz="914400" rtl="0" eaLnBrk="1" fontAlgn="auto" latinLnBrk="0" hangingPunct="1">
+                            <a:lnSpc>
+                              <a:spcPct val="100000"/>
+                            </a:lnSpc>
+                            <a:spcBef>
+                              <a:spcPts val="0"/>
+                            </a:spcBef>
+                            <a:spcAft>
+                              <a:spcPts val="0"/>
+                            </a:spcAft>
+                            <a:buClrTx/>
+                            <a:buSzTx/>
+                            <a:buFontTx/>
+                            <a:buNone/>
+                            <a:tabLst/>
+                            <a:defRPr/>
+                          </a:pPr>
+                          <a14:m>
+                            <m:oMathPara xmlns:m="http://schemas.openxmlformats.org/officeDocument/2006/math">
+                              <m:oMathParaPr>
+                                <m:jc m:val="centerGroup"/>
+                              </m:oMathParaPr>
+                              <m:oMath xmlns:m="http://schemas.openxmlformats.org/officeDocument/2006/math">
+                                <m:r>
+                                  <a:rPr lang="fr-FR" sz="1050" b="1" i="1" smtClean="0">
+                                    <a:solidFill>
+                                      <a:schemeClr val="tx1"/>
+                                    </a:solidFill>
+                                    <a:latin typeface="Cambria Math" panose="02040503050406030204" pitchFamily="18" charset="0"/>
+                                  </a:rPr>
+                                  <m:t>𝑪</m:t>
+                                </m:r>
+                                <m:d>
+                                  <m:dPr>
+                                    <m:ctrlPr>
+                                      <a:rPr lang="fr-FR" sz="1050" b="1" i="1" smtClean="0">
+                                        <a:solidFill>
+                                          <a:schemeClr val="tx1"/>
+                                        </a:solidFill>
+                                        <a:latin typeface="Cambria Math" panose="02040503050406030204" pitchFamily="18" charset="0"/>
+                                      </a:rPr>
+                                    </m:ctrlPr>
+                                  </m:dPr>
+                                  <m:e>
+                                    <m:r>
+                                      <a:rPr lang="fr-FR" sz="1050" b="1" i="1" smtClean="0">
+                                        <a:solidFill>
+                                          <a:schemeClr val="tx1"/>
+                                        </a:solidFill>
+                                        <a:latin typeface="Cambria Math" panose="02040503050406030204" pitchFamily="18" charset="0"/>
+                                      </a:rPr>
+                                      <m:t>𝒑</m:t>
+                                    </m:r>
+                                  </m:e>
+                                </m:d>
+                                <m:r>
+                                  <a:rPr lang="fr-FR" sz="1050" b="1" i="1" smtClean="0">
+                                    <a:solidFill>
+                                      <a:schemeClr val="tx1"/>
+                                    </a:solidFill>
+                                    <a:latin typeface="Cambria Math" panose="02040503050406030204" pitchFamily="18" charset="0"/>
+                                  </a:rPr>
+                                  <m:t>=</m:t>
+                                </m:r>
+                                <m:r>
+                                  <a:rPr lang="fr-FR" sz="1050" b="1" i="1" kern="1200" smtClean="0">
+                                    <a:solidFill>
+                                      <a:schemeClr val="tx1"/>
+                                    </a:solidFill>
+                                    <a:effectLst/>
+                                    <a:latin typeface="+mn-lt"/>
+                                    <a:ea typeface="+mn-ea"/>
+                                    <a:cs typeface="+mn-cs"/>
+                                  </a:rPr>
+                                  <m:t>𝑲</m:t>
+                                </m:r>
+                                <m:f>
+                                  <m:fPr>
+                                    <m:ctrlPr>
+                                      <a:rPr lang="fr-FR" sz="1050" b="1" i="1" kern="1200">
+                                        <a:solidFill>
+                                          <a:schemeClr val="tx1"/>
+                                        </a:solidFill>
+                                        <a:effectLst/>
+                                        <a:latin typeface="+mn-lt"/>
+                                        <a:ea typeface="+mn-ea"/>
+                                        <a:cs typeface="+mn-cs"/>
+                                      </a:rPr>
+                                    </m:ctrlPr>
+                                  </m:fPr>
+                                  <m:num>
+                                    <m:r>
+                                      <a:rPr lang="fr-FR" sz="1050" b="1" i="1" kern="1200">
+                                        <a:solidFill>
+                                          <a:schemeClr val="tx1"/>
+                                        </a:solidFill>
+                                        <a:effectLst/>
+                                        <a:latin typeface="+mn-lt"/>
+                                        <a:ea typeface="+mn-ea"/>
+                                        <a:cs typeface="+mn-cs"/>
+                                      </a:rPr>
+                                      <m:t>𝟏</m:t>
+                                    </m:r>
+                                    <m:r>
+                                      <a:rPr lang="fr-FR" sz="1050" b="1" kern="1200">
+                                        <a:solidFill>
+                                          <a:schemeClr val="tx1"/>
+                                        </a:solidFill>
+                                        <a:effectLst/>
+                                        <a:latin typeface="+mn-lt"/>
+                                        <a:ea typeface="+mn-ea"/>
+                                        <a:cs typeface="+mn-cs"/>
+                                      </a:rPr>
+                                      <m:t>+.</m:t>
+                                    </m:r>
+                                    <m:r>
+                                      <a:rPr lang="fr-FR" sz="1050" b="1" i="1" kern="1200">
+                                        <a:solidFill>
+                                          <a:schemeClr val="tx1"/>
+                                        </a:solidFill>
+                                        <a:effectLst/>
+                                        <a:latin typeface="+mn-lt"/>
+                                        <a:ea typeface="+mn-ea"/>
+                                        <a:cs typeface="+mn-cs"/>
+                                      </a:rPr>
+                                      <m:t>𝑻</m:t>
+                                    </m:r>
+                                    <m:r>
+                                      <a:rPr lang="fr-FR" sz="1050" b="1" kern="1200">
+                                        <a:solidFill>
+                                          <a:schemeClr val="tx1"/>
+                                        </a:solidFill>
+                                        <a:effectLst/>
+                                        <a:latin typeface="+mn-lt"/>
+                                        <a:ea typeface="+mn-ea"/>
+                                        <a:cs typeface="+mn-cs"/>
+                                      </a:rPr>
+                                      <m:t>.</m:t>
+                                    </m:r>
+                                    <m:r>
+                                      <a:rPr lang="fr-FR" sz="1050" b="1" i="1" kern="1200">
+                                        <a:solidFill>
+                                          <a:schemeClr val="tx1"/>
+                                        </a:solidFill>
+                                        <a:effectLst/>
+                                        <a:latin typeface="+mn-lt"/>
+                                        <a:ea typeface="+mn-ea"/>
+                                        <a:cs typeface="+mn-cs"/>
+                                      </a:rPr>
+                                      <m:t>𝒑</m:t>
+                                    </m:r>
+                                  </m:num>
+                                  <m:den>
+                                    <m:r>
+                                      <a:rPr lang="fr-FR" sz="1050" b="1" i="1" kern="1200">
+                                        <a:solidFill>
+                                          <a:schemeClr val="tx1"/>
+                                        </a:solidFill>
+                                        <a:effectLst/>
+                                        <a:latin typeface="+mn-lt"/>
+                                        <a:ea typeface="+mn-ea"/>
+                                        <a:cs typeface="+mn-cs"/>
+                                      </a:rPr>
+                                      <m:t>𝟏</m:t>
+                                    </m:r>
+                                    <m:r>
+                                      <a:rPr lang="fr-FR" sz="1050" b="1" kern="1200">
+                                        <a:solidFill>
+                                          <a:schemeClr val="tx1"/>
+                                        </a:solidFill>
+                                        <a:effectLst/>
+                                        <a:latin typeface="+mn-lt"/>
+                                        <a:ea typeface="+mn-ea"/>
+                                        <a:cs typeface="+mn-cs"/>
+                                      </a:rPr>
+                                      <m:t>+</m:t>
+                                    </m:r>
+                                    <m:r>
+                                      <a:rPr lang="fr-FR" sz="1050" b="1" i="1" kern="1200">
+                                        <a:solidFill>
+                                          <a:schemeClr val="tx1"/>
+                                        </a:solidFill>
+                                        <a:effectLst/>
+                                        <a:latin typeface="+mn-lt"/>
+                                        <a:ea typeface="+mn-ea"/>
+                                        <a:cs typeface="+mn-cs"/>
+                                      </a:rPr>
+                                      <m:t>𝒃</m:t>
+                                    </m:r>
+                                    <m:r>
+                                      <a:rPr lang="fr-FR" sz="1050" b="1" kern="1200">
+                                        <a:solidFill>
+                                          <a:schemeClr val="tx1"/>
+                                        </a:solidFill>
+                                        <a:effectLst/>
+                                        <a:latin typeface="+mn-lt"/>
+                                        <a:ea typeface="+mn-ea"/>
+                                        <a:cs typeface="+mn-cs"/>
+                                      </a:rPr>
+                                      <m:t>.</m:t>
+                                    </m:r>
+                                    <m:r>
+                                      <a:rPr lang="fr-FR" sz="1050" b="1" i="1" kern="1200">
+                                        <a:solidFill>
+                                          <a:schemeClr val="tx1"/>
+                                        </a:solidFill>
+                                        <a:effectLst/>
+                                        <a:latin typeface="+mn-lt"/>
+                                        <a:ea typeface="+mn-ea"/>
+                                        <a:cs typeface="+mn-cs"/>
+                                      </a:rPr>
+                                      <m:t>𝑻</m:t>
+                                    </m:r>
+                                    <m:r>
+                                      <a:rPr lang="fr-FR" sz="1050" b="1" kern="1200">
+                                        <a:solidFill>
+                                          <a:schemeClr val="tx1"/>
+                                        </a:solidFill>
+                                        <a:effectLst/>
+                                        <a:latin typeface="+mn-lt"/>
+                                        <a:ea typeface="+mn-ea"/>
+                                        <a:cs typeface="+mn-cs"/>
+                                      </a:rPr>
+                                      <m:t>.</m:t>
+                                    </m:r>
+                                    <m:r>
+                                      <a:rPr lang="fr-FR" sz="1050" b="1" i="1" kern="1200">
+                                        <a:solidFill>
+                                          <a:schemeClr val="tx1"/>
+                                        </a:solidFill>
+                                        <a:effectLst/>
+                                        <a:latin typeface="+mn-lt"/>
+                                        <a:ea typeface="+mn-ea"/>
+                                        <a:cs typeface="+mn-cs"/>
+                                      </a:rPr>
+                                      <m:t>𝒑</m:t>
+                                    </m:r>
+                                  </m:den>
+                                </m:f>
+                              </m:oMath>
+                            </m:oMathPara>
+                          </a14:m>
+                          <a:endParaRPr lang="fr-FR" sz="1050" b="1" dirty="0">
+                            <a:solidFill>
+                              <a:schemeClr val="tx1"/>
+                            </a:solidFill>
+                          </a:endParaRPr>
+                        </a:p>
+                        <a:p>
+                          <a:pPr algn="ctr"/>
+                          <a:endParaRPr lang="fr-FR" sz="1050" b="1" dirty="0">
+                            <a:solidFill>
+                              <a:schemeClr val="tx1"/>
+                            </a:solidFill>
+                          </a:endParaRPr>
+                        </a:p>
+                      </a:txBody>
+                      <a:tcPr anchor="ctr">
+                        <a:solidFill>
+                          <a:schemeClr val="bg2">
+                            <a:lumMod val="90000"/>
+                          </a:schemeClr>
+                        </a:solidFill>
+                      </a:tcPr>
+                    </a:tc>
+                    <a:tc>
+                      <a:txBody>
+                        <a:bodyPr/>
+                        <a:lstStyle/>
+                        <a:p>
+                          <a:pPr algn="ctr"/>
+                          <a14:m>
+                            <m:oMathPara xmlns:m="http://schemas.openxmlformats.org/officeDocument/2006/math">
+                              <m:oMathParaPr>
+                                <m:jc m:val="centerGroup"/>
+                              </m:oMathParaPr>
+                              <m:oMath xmlns:m="http://schemas.openxmlformats.org/officeDocument/2006/math">
+                                <m:r>
+                                  <a:rPr lang="fr-FR" sz="1050" b="1" i="1" smtClean="0">
+                                    <a:solidFill>
+                                      <a:schemeClr val="tx1"/>
+                                    </a:solidFill>
+                                    <a:latin typeface="Cambria Math" panose="02040503050406030204" pitchFamily="18" charset="0"/>
+                                  </a:rPr>
+                                  <m:t>𝑪</m:t>
+                                </m:r>
+                                <m:d>
+                                  <m:dPr>
+                                    <m:ctrlPr>
+                                      <a:rPr lang="fr-FR" sz="1050" b="1" i="1" smtClean="0">
+                                        <a:solidFill>
+                                          <a:schemeClr val="tx1"/>
+                                        </a:solidFill>
+                                        <a:latin typeface="Cambria Math" panose="02040503050406030204" pitchFamily="18" charset="0"/>
+                                      </a:rPr>
+                                    </m:ctrlPr>
+                                  </m:dPr>
+                                  <m:e>
+                                    <m:r>
+                                      <a:rPr lang="fr-FR" sz="1050" b="1" i="1" smtClean="0">
+                                        <a:solidFill>
+                                          <a:schemeClr val="tx1"/>
+                                        </a:solidFill>
+                                        <a:latin typeface="Cambria Math" panose="02040503050406030204" pitchFamily="18" charset="0"/>
+                                      </a:rPr>
+                                      <m:t>𝒑</m:t>
+                                    </m:r>
+                                  </m:e>
+                                </m:d>
+                                <m:r>
+                                  <a:rPr lang="fr-FR" sz="1050" b="1" i="1" smtClean="0">
+                                    <a:solidFill>
+                                      <a:schemeClr val="tx1"/>
+                                    </a:solidFill>
+                                    <a:latin typeface="Cambria Math" panose="02040503050406030204" pitchFamily="18" charset="0"/>
+                                  </a:rPr>
+                                  <m:t>=</m:t>
+                                </m:r>
+                                <m:f>
+                                  <m:fPr>
+                                    <m:ctrlPr>
+                                      <a:rPr lang="fr-FR" sz="1050" b="1" i="1" smtClean="0">
+                                        <a:solidFill>
+                                          <a:schemeClr val="tx1"/>
+                                        </a:solidFill>
+                                        <a:latin typeface="Cambria Math" panose="02040503050406030204" pitchFamily="18" charset="0"/>
+                                      </a:rPr>
+                                    </m:ctrlPr>
+                                  </m:fPr>
+                                  <m:num>
+                                    <m:sSub>
+                                      <m:sSubPr>
+                                        <m:ctrlPr>
+                                          <a:rPr lang="fr-FR" sz="1050" b="1" i="1" smtClean="0">
+                                            <a:solidFill>
+                                              <a:schemeClr val="tx1"/>
+                                            </a:solidFill>
+                                            <a:latin typeface="Cambria Math" panose="02040503050406030204" pitchFamily="18" charset="0"/>
+                                          </a:rPr>
+                                        </m:ctrlPr>
+                                      </m:sSubPr>
+                                      <m:e>
+                                        <m:r>
+                                          <a:rPr lang="fr-FR" sz="1050" b="1" i="1" smtClean="0">
+                                            <a:solidFill>
+                                              <a:schemeClr val="tx1"/>
+                                            </a:solidFill>
+                                            <a:latin typeface="Cambria Math" panose="02040503050406030204" pitchFamily="18" charset="0"/>
+                                          </a:rPr>
+                                          <m:t>𝑲</m:t>
+                                        </m:r>
+                                      </m:e>
+                                      <m:sub>
+                                        <m:r>
+                                          <a:rPr lang="fr-FR" sz="1050" b="1" i="1" smtClean="0">
+                                            <a:solidFill>
+                                              <a:schemeClr val="tx1"/>
+                                            </a:solidFill>
+                                            <a:latin typeface="Cambria Math" panose="02040503050406030204" pitchFamily="18" charset="0"/>
+                                          </a:rPr>
+                                          <m:t>𝑰</m:t>
+                                        </m:r>
+                                      </m:sub>
+                                    </m:sSub>
+                                  </m:num>
+                                  <m:den>
+                                    <m:r>
+                                      <a:rPr lang="fr-FR" sz="1050" b="1" i="1" smtClean="0">
+                                        <a:solidFill>
+                                          <a:schemeClr val="tx1"/>
+                                        </a:solidFill>
+                                        <a:latin typeface="Cambria Math" panose="02040503050406030204" pitchFamily="18" charset="0"/>
+                                      </a:rPr>
+                                      <m:t>𝒑</m:t>
+                                    </m:r>
+                                  </m:den>
+                                </m:f>
+                              </m:oMath>
+                            </m:oMathPara>
+                          </a14:m>
+                          <a:endParaRPr lang="fr-FR" sz="1050" b="1" dirty="0">
+                            <a:solidFill>
+                              <a:schemeClr val="tx1"/>
+                            </a:solidFill>
+                          </a:endParaRPr>
+                        </a:p>
+                      </a:txBody>
+                      <a:tcPr anchor="ctr">
+                        <a:solidFill>
+                          <a:schemeClr val="bg2">
+                            <a:lumMod val="90000"/>
+                          </a:schemeClr>
+                        </a:solidFill>
+                      </a:tcPr>
+                    </a:tc>
+                    <a:tc>
+                      <a:txBody>
+                        <a:bodyPr/>
+                        <a:lstStyle/>
+                        <a:p>
+                          <a:pPr marL="0" marR="0" lvl="0" indent="0" algn="ctr" defTabSz="914400" rtl="0" eaLnBrk="1" fontAlgn="auto" latinLnBrk="0" hangingPunct="1">
+                            <a:lnSpc>
+                              <a:spcPct val="100000"/>
+                            </a:lnSpc>
+                            <a:spcBef>
+                              <a:spcPts val="0"/>
+                            </a:spcBef>
+                            <a:spcAft>
+                              <a:spcPts val="0"/>
+                            </a:spcAft>
+                            <a:buClrTx/>
+                            <a:buSzTx/>
+                            <a:buFontTx/>
+                            <a:buNone/>
+                            <a:tabLst/>
+                            <a:defRPr/>
+                          </a:pPr>
+                          <a14:m>
+                            <m:oMathPara xmlns:m="http://schemas.openxmlformats.org/officeDocument/2006/math">
+                              <m:oMathParaPr>
+                                <m:jc m:val="centerGroup"/>
+                              </m:oMathParaPr>
+                              <m:oMath xmlns:m="http://schemas.openxmlformats.org/officeDocument/2006/math">
+                                <m:r>
+                                  <a:rPr lang="fr-FR" sz="1050" b="1" i="1" smtClean="0">
+                                    <a:solidFill>
+                                      <a:schemeClr val="tx1"/>
+                                    </a:solidFill>
+                                    <a:latin typeface="Cambria Math" panose="02040503050406030204" pitchFamily="18" charset="0"/>
+                                  </a:rPr>
+                                  <m:t>𝑪</m:t>
+                                </m:r>
+                                <m:d>
+                                  <m:dPr>
+                                    <m:ctrlPr>
+                                      <a:rPr lang="fr-FR" sz="1050" b="1" i="1" smtClean="0">
+                                        <a:solidFill>
+                                          <a:schemeClr val="tx1"/>
+                                        </a:solidFill>
+                                        <a:latin typeface="Cambria Math" panose="02040503050406030204" pitchFamily="18" charset="0"/>
+                                      </a:rPr>
+                                    </m:ctrlPr>
+                                  </m:dPr>
+                                  <m:e>
+                                    <m:r>
+                                      <a:rPr lang="fr-FR" sz="1050" b="1" i="1" smtClean="0">
+                                        <a:solidFill>
+                                          <a:schemeClr val="tx1"/>
+                                        </a:solidFill>
+                                        <a:latin typeface="Cambria Math" panose="02040503050406030204" pitchFamily="18" charset="0"/>
+                                      </a:rPr>
+                                      <m:t>𝒑</m:t>
+                                    </m:r>
+                                  </m:e>
+                                </m:d>
+                                <m:r>
+                                  <a:rPr lang="fr-FR" sz="1050" b="1" i="1" smtClean="0">
+                                    <a:solidFill>
+                                      <a:schemeClr val="tx1"/>
+                                    </a:solidFill>
+                                    <a:latin typeface="Cambria Math" panose="02040503050406030204" pitchFamily="18" charset="0"/>
+                                  </a:rPr>
+                                  <m:t>=</m:t>
+                                </m:r>
+                                <m:r>
+                                  <a:rPr lang="fr-FR" sz="1050" b="1" i="1" kern="1200" smtClean="0">
+                                    <a:solidFill>
+                                      <a:schemeClr val="tx1"/>
+                                    </a:solidFill>
+                                    <a:effectLst/>
+                                    <a:latin typeface="Cambria Math" panose="02040503050406030204" pitchFamily="18" charset="0"/>
+                                    <a:ea typeface="+mn-ea"/>
+                                    <a:cs typeface="+mn-cs"/>
+                                  </a:rPr>
+                                  <m:t>𝑲</m:t>
+                                </m:r>
+                                <m:f>
+                                  <m:fPr>
+                                    <m:ctrlPr>
+                                      <a:rPr lang="fr-FR" sz="1050" b="1" i="1" kern="1200">
+                                        <a:solidFill>
+                                          <a:schemeClr val="tx1"/>
+                                        </a:solidFill>
+                                        <a:effectLst/>
+                                        <a:latin typeface="Cambria Math" panose="02040503050406030204" pitchFamily="18" charset="0"/>
+                                        <a:ea typeface="+mn-ea"/>
+                                        <a:cs typeface="+mn-cs"/>
+                                      </a:rPr>
+                                    </m:ctrlPr>
+                                  </m:fPr>
+                                  <m:num>
+                                    <m:r>
+                                      <a:rPr lang="fr-FR" sz="1050" b="1" i="1" kern="1200">
+                                        <a:solidFill>
+                                          <a:schemeClr val="tx1"/>
+                                        </a:solidFill>
+                                        <a:effectLst/>
+                                        <a:latin typeface="Cambria Math" panose="02040503050406030204" pitchFamily="18" charset="0"/>
+                                        <a:ea typeface="+mn-ea"/>
+                                        <a:cs typeface="+mn-cs"/>
+                                      </a:rPr>
+                                      <m:t>𝟏</m:t>
+                                    </m:r>
+                                    <m:r>
+                                      <a:rPr lang="fr-FR" sz="1050" b="1" kern="1200">
+                                        <a:solidFill>
+                                          <a:schemeClr val="tx1"/>
+                                        </a:solidFill>
+                                        <a:effectLst/>
+                                        <a:latin typeface="Cambria Math" panose="02040503050406030204" pitchFamily="18" charset="0"/>
+                                        <a:ea typeface="+mn-ea"/>
+                                        <a:cs typeface="+mn-cs"/>
+                                      </a:rPr>
+                                      <m:t>+</m:t>
+                                    </m:r>
+                                    <m:r>
+                                      <a:rPr lang="fr-FR" sz="1050" b="1" i="1" kern="1200" smtClean="0">
+                                        <a:solidFill>
+                                          <a:schemeClr val="tx1"/>
+                                        </a:solidFill>
+                                        <a:effectLst/>
+                                        <a:latin typeface="Cambria Math" panose="02040503050406030204" pitchFamily="18" charset="0"/>
+                                        <a:ea typeface="+mn-ea"/>
+                                        <a:cs typeface="+mn-cs"/>
+                                      </a:rPr>
+                                      <m:t>𝒂</m:t>
+                                    </m:r>
+                                    <m:r>
+                                      <a:rPr lang="fr-FR" sz="1050" b="1" i="1" kern="1200">
+                                        <a:solidFill>
+                                          <a:schemeClr val="tx1"/>
+                                        </a:solidFill>
+                                        <a:effectLst/>
+                                        <a:latin typeface="Cambria Math" panose="02040503050406030204" pitchFamily="18" charset="0"/>
+                                        <a:ea typeface="+mn-ea"/>
+                                        <a:cs typeface="+mn-cs"/>
+                                      </a:rPr>
+                                      <m:t>.</m:t>
+                                    </m:r>
+                                    <m:r>
+                                      <a:rPr lang="fr-FR" sz="1050" b="1" i="1" kern="1200">
+                                        <a:solidFill>
+                                          <a:schemeClr val="tx1"/>
+                                        </a:solidFill>
+                                        <a:effectLst/>
+                                        <a:latin typeface="Cambria Math" panose="02040503050406030204" pitchFamily="18" charset="0"/>
+                                        <a:ea typeface="+mn-ea"/>
+                                        <a:cs typeface="+mn-cs"/>
+                                      </a:rPr>
+                                      <m:t>𝑻</m:t>
+                                    </m:r>
+                                    <m:r>
+                                      <a:rPr lang="fr-FR" sz="1050" b="1" kern="1200">
+                                        <a:solidFill>
+                                          <a:schemeClr val="tx1"/>
+                                        </a:solidFill>
+                                        <a:effectLst/>
+                                        <a:latin typeface="Cambria Math" panose="02040503050406030204" pitchFamily="18" charset="0"/>
+                                        <a:ea typeface="+mn-ea"/>
+                                        <a:cs typeface="+mn-cs"/>
+                                      </a:rPr>
+                                      <m:t>.</m:t>
+                                    </m:r>
+                                    <m:r>
+                                      <a:rPr lang="fr-FR" sz="1050" b="1" i="1" kern="1200">
+                                        <a:solidFill>
+                                          <a:schemeClr val="tx1"/>
+                                        </a:solidFill>
+                                        <a:effectLst/>
+                                        <a:latin typeface="Cambria Math" panose="02040503050406030204" pitchFamily="18" charset="0"/>
+                                        <a:ea typeface="+mn-ea"/>
+                                        <a:cs typeface="+mn-cs"/>
+                                      </a:rPr>
+                                      <m:t>𝒑</m:t>
+                                    </m:r>
+                                  </m:num>
+                                  <m:den>
+                                    <m:r>
+                                      <a:rPr lang="fr-FR" sz="1050" b="1" i="1" kern="1200">
+                                        <a:solidFill>
+                                          <a:schemeClr val="tx1"/>
+                                        </a:solidFill>
+                                        <a:effectLst/>
+                                        <a:latin typeface="Cambria Math" panose="02040503050406030204" pitchFamily="18" charset="0"/>
+                                        <a:ea typeface="+mn-ea"/>
+                                        <a:cs typeface="+mn-cs"/>
+                                      </a:rPr>
+                                      <m:t>𝟏</m:t>
+                                    </m:r>
+                                    <m:r>
+                                      <a:rPr lang="fr-FR" sz="1050" b="1" kern="1200">
+                                        <a:solidFill>
+                                          <a:schemeClr val="tx1"/>
+                                        </a:solidFill>
+                                        <a:effectLst/>
+                                        <a:latin typeface="Cambria Math" panose="02040503050406030204" pitchFamily="18" charset="0"/>
+                                        <a:ea typeface="+mn-ea"/>
+                                        <a:cs typeface="+mn-cs"/>
+                                      </a:rPr>
+                                      <m:t>+</m:t>
+                                    </m:r>
+                                    <m:r>
+                                      <a:rPr lang="fr-FR" sz="1050" b="1" i="1" kern="1200">
+                                        <a:solidFill>
+                                          <a:schemeClr val="tx1"/>
+                                        </a:solidFill>
+                                        <a:effectLst/>
+                                        <a:latin typeface="Cambria Math" panose="02040503050406030204" pitchFamily="18" charset="0"/>
+                                        <a:ea typeface="+mn-ea"/>
+                                        <a:cs typeface="+mn-cs"/>
+                                      </a:rPr>
+                                      <m:t>𝑻</m:t>
+                                    </m:r>
+                                    <m:r>
+                                      <a:rPr lang="fr-FR" sz="1050" b="1" kern="1200">
+                                        <a:solidFill>
+                                          <a:schemeClr val="tx1"/>
+                                        </a:solidFill>
+                                        <a:effectLst/>
+                                        <a:latin typeface="Cambria Math" panose="02040503050406030204" pitchFamily="18" charset="0"/>
+                                        <a:ea typeface="+mn-ea"/>
+                                        <a:cs typeface="+mn-cs"/>
+                                      </a:rPr>
+                                      <m:t>.</m:t>
+                                    </m:r>
+                                    <m:r>
+                                      <a:rPr lang="fr-FR" sz="1050" b="1" i="1" kern="1200">
+                                        <a:solidFill>
+                                          <a:schemeClr val="tx1"/>
+                                        </a:solidFill>
+                                        <a:effectLst/>
+                                        <a:latin typeface="Cambria Math" panose="02040503050406030204" pitchFamily="18" charset="0"/>
+                                        <a:ea typeface="+mn-ea"/>
+                                        <a:cs typeface="+mn-cs"/>
+                                      </a:rPr>
+                                      <m:t>𝒑</m:t>
+                                    </m:r>
+                                  </m:den>
+                                </m:f>
+                              </m:oMath>
+                            </m:oMathPara>
+                          </a14:m>
+                          <a:endParaRPr lang="fr-FR" sz="1050" b="1" dirty="0">
+                            <a:solidFill>
+                              <a:schemeClr val="tx1"/>
+                            </a:solidFill>
+                          </a:endParaRPr>
+                        </a:p>
+                        <a:p>
+                          <a:pPr algn="ctr"/>
+                          <a:endParaRPr lang="fr-FR" sz="1050" b="1" dirty="0">
+                            <a:solidFill>
+                              <a:schemeClr val="tx1"/>
+                            </a:solidFill>
+                          </a:endParaRPr>
+                        </a:p>
+                      </a:txBody>
+                      <a:tcPr anchor="ctr">
+                        <a:solidFill>
+                          <a:schemeClr val="bg2">
+                            <a:lumMod val="90000"/>
+                          </a:schemeClr>
+                        </a:solidFill>
+                      </a:tcPr>
+                    </a:tc>
+                    <a:tc>
+                      <a:txBody>
+                        <a:bodyPr/>
+                        <a:lstStyle/>
+                        <a:p>
+                          <a:pPr algn="ctr"/>
+                          <a:r>
+                            <a:rPr lang="fr-FR" sz="1050" b="1" dirty="0">
+                              <a:solidFill>
+                                <a:schemeClr val="tx1"/>
+                              </a:solidFill>
+                            </a:rPr>
+                            <a:t>PID</a:t>
+                          </a:r>
+                        </a:p>
+                      </a:txBody>
+                      <a:tcPr anchor="ctr">
+                        <a:solidFill>
+                          <a:schemeClr val="bg2">
+                            <a:lumMod val="90000"/>
+                          </a:schemeClr>
+                        </a:solidFill>
+                      </a:tcPr>
+                    </a:tc>
+                    <a:extLst>
+                      <a:ext uri="{0D108BD9-81ED-4DB2-BD59-A6C34878D82A}">
+                        <a16:rowId xmlns:a16="http://schemas.microsoft.com/office/drawing/2014/main" val="4042139984"/>
+                      </a:ext>
+                    </a:extLst>
+                  </a:tr>
+                  <a:tr h="579119">
+                    <a:tc>
+                      <a:txBody>
+                        <a:bodyPr/>
+                        <a:lstStyle/>
+                        <a:p>
+                          <a:r>
+                            <a:rPr lang="fr-FR" sz="1200" b="1" dirty="0">
+                              <a:solidFill>
+                                <a:schemeClr val="tx1"/>
+                              </a:solidFill>
+                            </a:rPr>
+                            <a:t>Paramètre du correcteur</a:t>
+                          </a:r>
+                        </a:p>
+                      </a:txBody>
+                      <a:tcPr>
+                        <a:solidFill>
+                          <a:schemeClr val="bg2">
+                            <a:lumMod val="90000"/>
+                          </a:schemeClr>
+                        </a:solidFill>
+                      </a:tcPr>
+                    </a:tc>
+                    <a:tc>
+                      <a:txBody>
+                        <a:bodyPr/>
+                        <a:lstStyle/>
+                        <a:p>
+                          <a:pPr algn="ctr"/>
+                          <a:endParaRPr lang="fr-FR" sz="1200" b="0" i="0" dirty="0">
+                            <a:solidFill>
+                              <a:schemeClr val="tx1"/>
+                            </a:solidFill>
+                          </a:endParaRPr>
+                        </a:p>
+                      </a:txBody>
+                      <a:tcPr anchor="ctr">
+                        <a:solidFill>
+                          <a:schemeClr val="bg2">
+                            <a:lumMod val="90000"/>
+                          </a:schemeClr>
+                        </a:solidFill>
+                      </a:tcPr>
+                    </a:tc>
+                    <a:tc>
+                      <a:txBody>
+                        <a:bodyPr/>
+                        <a:lstStyle/>
+                        <a:p>
+                          <a:pPr algn="ctr"/>
+                          <a:endParaRPr lang="fr-FR" sz="1200" b="0" dirty="0">
+                            <a:solidFill>
+                              <a:schemeClr val="tx1"/>
+                            </a:solidFill>
+                          </a:endParaRPr>
+                        </a:p>
+                      </a:txBody>
+                      <a:tcPr anchor="ctr">
+                        <a:solidFill>
+                          <a:schemeClr val="bg2">
+                            <a:lumMod val="90000"/>
+                          </a:schemeClr>
+                        </a:solidFill>
+                      </a:tcPr>
+                    </a:tc>
+                    <a:tc>
+                      <a:txBody>
+                        <a:bodyPr/>
+                        <a:lstStyle/>
+                        <a:p>
+                          <a:pPr algn="ctr"/>
+                          <a:endParaRPr lang="fr-FR" sz="1050" b="0" dirty="0">
+                            <a:solidFill>
+                              <a:schemeClr val="tx1"/>
+                            </a:solidFill>
+                          </a:endParaRPr>
+                        </a:p>
+                      </a:txBody>
+                      <a:tcPr>
+                        <a:solidFill>
+                          <a:schemeClr val="bg2">
+                            <a:lumMod val="90000"/>
+                          </a:schemeClr>
+                        </a:solidFill>
+                      </a:tcPr>
+                    </a:tc>
+                    <a:tc>
+                      <a:txBody>
+                        <a:bodyPr/>
+                        <a:lstStyle/>
+                        <a:p>
+                          <a:pPr algn="ctr"/>
+                          <a:endParaRPr lang="fr-FR" sz="1050" b="0" dirty="0">
+                            <a:solidFill>
+                              <a:schemeClr val="tx1"/>
+                            </a:solidFill>
+                          </a:endParaRPr>
+                        </a:p>
+                      </a:txBody>
+                      <a:tcPr>
+                        <a:solidFill>
+                          <a:schemeClr val="bg2">
+                            <a:lumMod val="90000"/>
+                          </a:schemeClr>
+                        </a:solidFill>
+                      </a:tcPr>
+                    </a:tc>
+                    <a:tc>
+                      <a:txBody>
+                        <a:bodyPr/>
+                        <a:lstStyle/>
+                        <a:p>
+                          <a:pPr algn="ctr"/>
+                          <a:endParaRPr lang="fr-FR" sz="1050" b="0" dirty="0">
+                            <a:solidFill>
+                              <a:schemeClr val="tx1"/>
+                            </a:solidFill>
+                          </a:endParaRPr>
+                        </a:p>
+                      </a:txBody>
+                      <a:tcPr>
+                        <a:solidFill>
+                          <a:schemeClr val="bg2">
+                            <a:lumMod val="90000"/>
+                          </a:schemeClr>
+                        </a:solidFill>
+                      </a:tcPr>
+                    </a:tc>
+                    <a:tc>
+                      <a:txBody>
+                        <a:bodyPr/>
+                        <a:lstStyle/>
+                        <a:p>
+                          <a:pPr algn="ctr"/>
+                          <a:endParaRPr lang="fr-FR" sz="1050" b="0" dirty="0">
+                            <a:solidFill>
+                              <a:schemeClr val="tx1"/>
+                            </a:solidFill>
+                          </a:endParaRPr>
+                        </a:p>
+                      </a:txBody>
+                      <a:tcPr>
+                        <a:solidFill>
+                          <a:schemeClr val="bg2">
+                            <a:lumMod val="90000"/>
+                          </a:schemeClr>
+                        </a:solidFill>
+                      </a:tcPr>
+                    </a:tc>
+                    <a:tc>
+                      <a:txBody>
+                        <a:bodyPr/>
+                        <a:lstStyle/>
+                        <a:p>
+                          <a:pPr algn="ctr"/>
+                          <a:endParaRPr lang="fr-FR" sz="1050" b="0" dirty="0">
+                            <a:solidFill>
+                              <a:schemeClr val="tx1"/>
+                            </a:solidFill>
+                          </a:endParaRPr>
+                        </a:p>
+                      </a:txBody>
+                      <a:tcPr>
+                        <a:solidFill>
+                          <a:schemeClr val="bg2">
+                            <a:lumMod val="90000"/>
+                          </a:schemeClr>
+                        </a:solidFill>
+                      </a:tcPr>
+                    </a:tc>
+                    <a:tc>
+                      <a:txBody>
+                        <a:bodyPr/>
+                        <a:lstStyle/>
+                        <a:p>
+                          <a:pPr algn="ctr"/>
+                          <a:endParaRPr lang="fr-FR" sz="1050" b="0" dirty="0">
+                            <a:solidFill>
+                              <a:schemeClr val="tx1"/>
+                            </a:solidFill>
+                          </a:endParaRPr>
+                        </a:p>
+                      </a:txBody>
+                      <a:tcPr>
+                        <a:solidFill>
+                          <a:schemeClr val="bg2">
+                            <a:lumMod val="90000"/>
+                          </a:schemeClr>
+                        </a:solidFill>
+                      </a:tcPr>
+                    </a:tc>
+                    <a:tc>
+                      <a:txBody>
+                        <a:bodyPr/>
+                        <a:lstStyle/>
+                        <a:p>
+                          <a:pPr algn="ctr"/>
+                          <a:endParaRPr lang="fr-FR" sz="1050" b="0" dirty="0">
+                            <a:solidFill>
+                              <a:schemeClr val="tx1"/>
+                            </a:solidFill>
+                          </a:endParaRPr>
+                        </a:p>
+                      </a:txBody>
+                      <a:tcPr>
+                        <a:solidFill>
+                          <a:schemeClr val="bg2">
+                            <a:lumMod val="90000"/>
+                          </a:schemeClr>
+                        </a:solidFill>
+                      </a:tcPr>
+                    </a:tc>
+                    <a:extLst>
+                      <a:ext uri="{0D108BD9-81ED-4DB2-BD59-A6C34878D82A}">
+                        <a16:rowId xmlns:a16="http://schemas.microsoft.com/office/drawing/2014/main" val="3895696165"/>
+                      </a:ext>
+                    </a:extLst>
+                  </a:tr>
+                  <a:tr h="779512">
+                    <a:tc>
+                      <a:txBody>
+                        <a:bodyPr/>
+                        <a:lstStyle/>
+                        <a:p>
+                          <a:r>
+                            <a:rPr lang="fr-FR" sz="1200" b="1" dirty="0"/>
+                            <a:t>Erreur statique</a:t>
+                          </a:r>
+                        </a:p>
+                      </a:txBody>
+                      <a:tcPr anchor="ctr"/>
+                    </a:tc>
+                    <a:tc>
+                      <a:txBody>
+                        <a:bodyPr/>
+                        <a:lstStyle/>
+                        <a:p>
+                          <a:pPr algn="ctr"/>
+                          <a:r>
+                            <a:rPr lang="fr-FR" sz="1200" b="1" dirty="0"/>
+                            <a:t>0 mm</a:t>
+                          </a:r>
+                          <a:endParaRPr lang="fr-FR" sz="1200" b="1" i="0" dirty="0"/>
+                        </a:p>
+                      </a:txBody>
+                      <a:tcPr anchor="ctr"/>
+                    </a:tc>
+                    <a:tc>
+                      <a:txBody>
+                        <a:bodyPr/>
+                        <a:lstStyle/>
+                        <a:p>
+                          <a:pPr algn="ctr"/>
+                          <a:endParaRPr lang="fr-FR" sz="1200" b="1" dirty="0"/>
+                        </a:p>
+                      </a:txBody>
+                      <a:tcPr/>
+                    </a:tc>
+                    <a:tc>
+                      <a:txBody>
+                        <a:bodyPr/>
+                        <a:lstStyle/>
+                        <a:p>
+                          <a:pPr algn="ctr"/>
+                          <a:endParaRPr lang="fr-FR" sz="1200" b="1" dirty="0">
+                            <a:solidFill>
+                              <a:srgbClr val="FF0000"/>
+                            </a:solidFill>
+                          </a:endParaRPr>
+                        </a:p>
+                      </a:txBody>
+                      <a:tcPr/>
+                    </a:tc>
+                    <a:tc>
+                      <a:txBody>
+                        <a:bodyPr/>
+                        <a:lstStyle/>
+                        <a:p>
+                          <a:pPr algn="ctr"/>
+                          <a:endParaRPr lang="fr-FR" sz="1200" b="1" dirty="0"/>
+                        </a:p>
+                      </a:txBody>
+                      <a:tcPr/>
+                    </a:tc>
+                    <a:tc>
+                      <a:txBody>
+                        <a:bodyPr/>
+                        <a:lstStyle/>
+                        <a:p>
+                          <a:pPr algn="ctr"/>
+                          <a:endParaRPr lang="fr-FR" sz="1200" b="1" dirty="0"/>
+                        </a:p>
+                      </a:txBody>
+                      <a:tcPr/>
+                    </a:tc>
+                    <a:tc>
+                      <a:txBody>
+                        <a:bodyPr/>
+                        <a:lstStyle/>
+                        <a:p>
+                          <a:pPr algn="ctr"/>
+                          <a:endParaRPr lang="fr-FR" sz="1200" b="1" dirty="0"/>
+                        </a:p>
+                      </a:txBody>
+                      <a:tcPr/>
+                    </a:tc>
+                    <a:tc>
+                      <a:txBody>
+                        <a:bodyPr/>
+                        <a:lstStyle/>
+                        <a:p>
+                          <a:pPr algn="ctr"/>
+                          <a:endParaRPr lang="fr-FR" sz="1200" b="1" dirty="0"/>
+                        </a:p>
+                      </a:txBody>
+                      <a:tcPr/>
+                    </a:tc>
+                    <a:tc>
+                      <a:txBody>
+                        <a:bodyPr/>
+                        <a:lstStyle/>
+                        <a:p>
+                          <a:pPr algn="ctr"/>
+                          <a:endParaRPr lang="fr-FR" sz="1200" b="1" dirty="0"/>
+                        </a:p>
+                      </a:txBody>
+                      <a:tcPr/>
+                    </a:tc>
+                    <a:tc>
+                      <a:txBody>
+                        <a:bodyPr/>
+                        <a:lstStyle/>
+                        <a:p>
+                          <a:pPr algn="ctr"/>
+                          <a:endParaRPr lang="fr-FR" sz="1200" b="1" dirty="0"/>
+                        </a:p>
+                      </a:txBody>
+                      <a:tcPr/>
+                    </a:tc>
+                    <a:extLst>
+                      <a:ext uri="{0D108BD9-81ED-4DB2-BD59-A6C34878D82A}">
+                        <a16:rowId xmlns:a16="http://schemas.microsoft.com/office/drawing/2014/main" val="924083723"/>
+                      </a:ext>
+                    </a:extLst>
+                  </a:tr>
+                  <a:tr h="779512">
+                    <a:tc>
+                      <a:txBody>
+                        <a:bodyPr/>
+                        <a:lstStyle/>
+                        <a:p>
+                          <a:r>
+                            <a:rPr lang="fr-FR" sz="1200" b="1" dirty="0"/>
+                            <a:t>Erreur de trainage</a:t>
+                          </a:r>
+                        </a:p>
+                      </a:txBody>
+                      <a:tcPr anchor="ctr"/>
+                    </a:tc>
+                    <a:tc>
+                      <a:txBody>
+                        <a:bodyPr/>
+                        <a:lstStyle/>
+                        <a:p>
+                          <a:pPr algn="ctr"/>
+                          <a:r>
+                            <a:rPr lang="fr-FR" sz="1200" b="1" dirty="0"/>
+                            <a:t>&lt; 0,2 mm</a:t>
+                          </a:r>
+                          <a:endParaRPr lang="fr-FR" sz="1200" b="1" i="0" dirty="0"/>
+                        </a:p>
+                      </a:txBody>
+                      <a:tcPr anchor="ctr"/>
+                    </a:tc>
+                    <a:tc>
+                      <a:txBody>
+                        <a:bodyPr/>
+                        <a:lstStyle/>
+                        <a:p>
+                          <a:pPr algn="ctr"/>
+                          <a:endParaRPr lang="fr-FR" sz="1200" b="1" dirty="0">
+                            <a:solidFill>
+                              <a:srgbClr val="FF0000"/>
+                            </a:solidFill>
+                          </a:endParaRPr>
+                        </a:p>
+                      </a:txBody>
+                      <a:tcPr/>
+                    </a:tc>
+                    <a:tc>
+                      <a:txBody>
+                        <a:bodyPr/>
+                        <a:lstStyle/>
+                        <a:p>
+                          <a:pPr marL="0" marR="0" lvl="0" indent="0" algn="ctr" defTabSz="914400" rtl="0" eaLnBrk="1" fontAlgn="auto" latinLnBrk="0" hangingPunct="1">
+                            <a:lnSpc>
+                              <a:spcPct val="100000"/>
+                            </a:lnSpc>
+                            <a:spcBef>
+                              <a:spcPts val="0"/>
+                            </a:spcBef>
+                            <a:spcAft>
+                              <a:spcPts val="0"/>
+                            </a:spcAft>
+                            <a:buClrTx/>
+                            <a:buSzTx/>
+                            <a:buFontTx/>
+                            <a:buNone/>
+                            <a:tabLst/>
+                            <a:defRPr/>
+                          </a:pPr>
+                          <a:endParaRPr lang="fr-FR" sz="1200" b="1" dirty="0">
+                            <a:solidFill>
+                              <a:srgbClr val="FF0000"/>
+                            </a:solidFill>
+                          </a:endParaRPr>
+                        </a:p>
+                      </a:txBody>
+                      <a:tcPr/>
+                    </a:tc>
+                    <a:tc>
+                      <a:txBody>
+                        <a:bodyPr/>
+                        <a:lstStyle/>
+                        <a:p>
+                          <a:pPr algn="ctr"/>
+                          <a:endParaRPr lang="fr-FR" sz="1200" b="1" dirty="0"/>
+                        </a:p>
+                      </a:txBody>
+                      <a:tcPr/>
+                    </a:tc>
+                    <a:tc>
+                      <a:txBody>
+                        <a:bodyPr/>
+                        <a:lstStyle/>
+                        <a:p>
+                          <a:pPr algn="ctr"/>
+                          <a:endParaRPr lang="fr-FR" sz="1200" b="1" dirty="0"/>
+                        </a:p>
+                      </a:txBody>
+                      <a:tcPr/>
+                    </a:tc>
+                    <a:tc>
+                      <a:txBody>
+                        <a:bodyPr/>
+                        <a:lstStyle/>
+                        <a:p>
+                          <a:pPr algn="ctr"/>
+                          <a:endParaRPr lang="fr-FR" sz="1200" b="1" dirty="0"/>
+                        </a:p>
+                      </a:txBody>
+                      <a:tcPr/>
+                    </a:tc>
+                    <a:tc>
+                      <a:txBody>
+                        <a:bodyPr/>
+                        <a:lstStyle/>
+                        <a:p>
+                          <a:pPr algn="ctr"/>
+                          <a:endParaRPr lang="fr-FR" sz="1200" b="1" dirty="0"/>
+                        </a:p>
+                      </a:txBody>
+                      <a:tcPr/>
+                    </a:tc>
+                    <a:tc>
+                      <a:txBody>
+                        <a:bodyPr/>
+                        <a:lstStyle/>
+                        <a:p>
+                          <a:pPr algn="ctr"/>
+                          <a:endParaRPr lang="fr-FR" sz="1200" b="1" dirty="0"/>
+                        </a:p>
+                      </a:txBody>
+                      <a:tcPr/>
+                    </a:tc>
+                    <a:tc>
+                      <a:txBody>
+                        <a:bodyPr/>
+                        <a:lstStyle/>
+                        <a:p>
+                          <a:pPr algn="ctr"/>
+                          <a:endParaRPr lang="fr-FR" sz="1200" b="1" dirty="0"/>
+                        </a:p>
+                      </a:txBody>
+                      <a:tcPr/>
+                    </a:tc>
+                    <a:extLst>
+                      <a:ext uri="{0D108BD9-81ED-4DB2-BD59-A6C34878D82A}">
+                        <a16:rowId xmlns:a16="http://schemas.microsoft.com/office/drawing/2014/main" val="1565726987"/>
+                      </a:ext>
+                    </a:extLst>
+                  </a:tr>
+                  <a:tr h="779512">
+                    <a:tc>
+                      <a:txBody>
+                        <a:bodyPr/>
+                        <a:lstStyle/>
+                        <a:p>
+                          <a:pPr marL="0" marR="0" lvl="0" indent="0" algn="l" defTabSz="914400" rtl="0" eaLnBrk="1" fontAlgn="auto" latinLnBrk="0" hangingPunct="1">
+                            <a:lnSpc>
+                              <a:spcPct val="100000"/>
+                            </a:lnSpc>
+                            <a:spcBef>
+                              <a:spcPts val="0"/>
+                            </a:spcBef>
+                            <a:spcAft>
+                              <a:spcPts val="0"/>
+                            </a:spcAft>
+                            <a:buClrTx/>
+                            <a:buSzTx/>
+                            <a:buFontTx/>
+                            <a:buNone/>
+                            <a:tabLst/>
+                            <a:defRPr/>
+                          </a:pPr>
+                          <a:r>
+                            <a:rPr lang="fr-FR" sz="1200" b="1" dirty="0"/>
+                            <a:t>Temps de réponse à 5%</a:t>
+                          </a:r>
+                        </a:p>
+                      </a:txBody>
+                      <a:tcPr anchor="ctr"/>
+                    </a:tc>
+                    <a:tc>
+                      <a:txBody>
+                        <a:bodyPr/>
+                        <a:lstStyle/>
+                        <a:p>
+                          <a:pPr algn="ctr"/>
+                          <a:r>
+                            <a:rPr lang="fr-FR" sz="1200" b="1" dirty="0"/>
+                            <a:t>0,045 s</a:t>
+                          </a:r>
+                          <a:endParaRPr lang="fr-FR" sz="1200" b="1" i="0" dirty="0"/>
+                        </a:p>
+                      </a:txBody>
+                      <a:tcPr anchor="ctr"/>
+                    </a:tc>
+                    <a:tc>
+                      <a:txBody>
+                        <a:bodyPr/>
+                        <a:lstStyle/>
+                        <a:p>
+                          <a:pPr algn="ctr"/>
+                          <a:endParaRPr lang="fr-FR" sz="1200" b="1" dirty="0">
+                            <a:solidFill>
+                              <a:srgbClr val="FF0000"/>
+                            </a:solidFill>
+                          </a:endParaRPr>
+                        </a:p>
+                      </a:txBody>
+                      <a:tcPr/>
+                    </a:tc>
+                    <a:tc>
+                      <a:txBody>
+                        <a:bodyPr/>
+                        <a:lstStyle/>
+                        <a:p>
+                          <a:pPr algn="ctr"/>
+                          <a:endParaRPr lang="fr-FR" sz="1200" b="1" dirty="0">
+                            <a:solidFill>
+                              <a:srgbClr val="FF0000"/>
+                            </a:solidFill>
+                          </a:endParaRPr>
+                        </a:p>
+                      </a:txBody>
+                      <a:tcPr/>
+                    </a:tc>
+                    <a:tc>
+                      <a:txBody>
+                        <a:bodyPr/>
+                        <a:lstStyle/>
+                        <a:p>
+                          <a:pPr algn="ctr"/>
+                          <a:endParaRPr lang="fr-FR" sz="1200" b="1" dirty="0"/>
+                        </a:p>
+                      </a:txBody>
+                      <a:tcPr/>
+                    </a:tc>
+                    <a:tc>
+                      <a:txBody>
+                        <a:bodyPr/>
+                        <a:lstStyle/>
+                        <a:p>
+                          <a:pPr algn="ctr"/>
+                          <a:endParaRPr lang="fr-FR" sz="1200" b="1" dirty="0"/>
+                        </a:p>
+                      </a:txBody>
+                      <a:tcPr/>
+                    </a:tc>
+                    <a:tc>
+                      <a:txBody>
+                        <a:bodyPr/>
+                        <a:lstStyle/>
+                        <a:p>
+                          <a:pPr algn="ctr"/>
+                          <a:endParaRPr lang="fr-FR" sz="1200" b="1" dirty="0"/>
+                        </a:p>
+                      </a:txBody>
+                      <a:tcPr/>
+                    </a:tc>
+                    <a:tc>
+                      <a:txBody>
+                        <a:bodyPr/>
+                        <a:lstStyle/>
+                        <a:p>
+                          <a:pPr algn="ctr"/>
+                          <a:endParaRPr lang="fr-FR" sz="1200" b="1" dirty="0"/>
+                        </a:p>
+                      </a:txBody>
+                      <a:tcPr/>
+                    </a:tc>
+                    <a:tc>
+                      <a:txBody>
+                        <a:bodyPr/>
+                        <a:lstStyle/>
+                        <a:p>
+                          <a:pPr algn="ctr"/>
+                          <a:endParaRPr lang="fr-FR" sz="1200" b="1" dirty="0"/>
+                        </a:p>
+                      </a:txBody>
+                      <a:tcPr/>
+                    </a:tc>
+                    <a:tc>
+                      <a:txBody>
+                        <a:bodyPr/>
+                        <a:lstStyle/>
+                        <a:p>
+                          <a:pPr algn="ctr"/>
+                          <a:endParaRPr lang="fr-FR" sz="1200" b="1" dirty="0"/>
+                        </a:p>
+                      </a:txBody>
+                      <a:tcPr/>
+                    </a:tc>
+                    <a:extLst>
+                      <a:ext uri="{0D108BD9-81ED-4DB2-BD59-A6C34878D82A}">
+                        <a16:rowId xmlns:a16="http://schemas.microsoft.com/office/drawing/2014/main" val="3226994577"/>
+                      </a:ext>
+                    </a:extLst>
+                  </a:tr>
+                  <a:tr h="779512">
+                    <a:tc>
+                      <a:txBody>
+                        <a:bodyPr/>
+                        <a:lstStyle/>
+                        <a:p>
+                          <a:pPr marL="0" marR="0" lvl="0" indent="0" algn="l" defTabSz="914400" rtl="0" eaLnBrk="1" fontAlgn="auto" latinLnBrk="0" hangingPunct="1">
+                            <a:lnSpc>
+                              <a:spcPct val="100000"/>
+                            </a:lnSpc>
+                            <a:spcBef>
+                              <a:spcPts val="0"/>
+                            </a:spcBef>
+                            <a:spcAft>
+                              <a:spcPts val="0"/>
+                            </a:spcAft>
+                            <a:buClrTx/>
+                            <a:buSzTx/>
+                            <a:buFontTx/>
+                            <a:buNone/>
+                            <a:tabLst/>
+                            <a:defRPr/>
+                          </a:pPr>
+                          <a:r>
+                            <a:rPr lang="fr-FR" sz="1200" b="1" dirty="0"/>
+                            <a:t>Dépassement</a:t>
+                          </a:r>
+                        </a:p>
+                      </a:txBody>
+                      <a:tcPr anchor="ctr"/>
+                    </a:tc>
+                    <a:tc>
+                      <a:txBody>
+                        <a:bodyPr/>
+                        <a:lstStyle/>
+                        <a:p>
+                          <a:pPr marL="0" marR="0" lvl="0" indent="0" algn="ctr" defTabSz="914400" rtl="0" eaLnBrk="1" fontAlgn="auto" latinLnBrk="0" hangingPunct="1">
+                            <a:lnSpc>
+                              <a:spcPct val="100000"/>
+                            </a:lnSpc>
+                            <a:spcBef>
+                              <a:spcPts val="0"/>
+                            </a:spcBef>
+                            <a:spcAft>
+                              <a:spcPts val="0"/>
+                            </a:spcAft>
+                            <a:buClrTx/>
+                            <a:buSzTx/>
+                            <a:buFontTx/>
+                            <a:buNone/>
+                            <a:tabLst/>
+                            <a:defRPr/>
+                          </a:pPr>
+                          <a:r>
+                            <a:rPr lang="fr-FR" sz="1200" b="1" dirty="0"/>
+                            <a:t>&lt; 5%</a:t>
+                          </a:r>
+                          <a:endParaRPr lang="fr-FR" sz="1200" b="1" i="0" dirty="0"/>
+                        </a:p>
+                      </a:txBody>
+                      <a:tcPr anchor="ctr"/>
+                    </a:tc>
+                    <a:tc>
+                      <a:txBody>
+                        <a:bodyPr/>
+                        <a:lstStyle/>
+                        <a:p>
+                          <a:pPr algn="ctr"/>
+                          <a:endParaRPr lang="fr-FR" sz="1200" b="1" dirty="0"/>
+                        </a:p>
+                      </a:txBody>
+                      <a:tcPr/>
+                    </a:tc>
+                    <a:tc>
+                      <a:txBody>
+                        <a:bodyPr/>
+                        <a:lstStyle/>
+                        <a:p>
+                          <a:pPr algn="ctr"/>
+                          <a:endParaRPr lang="fr-FR" sz="1200" b="1" dirty="0">
+                            <a:solidFill>
+                              <a:srgbClr val="FF0000"/>
+                            </a:solidFill>
+                          </a:endParaRPr>
+                        </a:p>
+                      </a:txBody>
+                      <a:tcPr/>
+                    </a:tc>
+                    <a:tc>
+                      <a:txBody>
+                        <a:bodyPr/>
+                        <a:lstStyle/>
+                        <a:p>
+                          <a:pPr algn="ctr"/>
+                          <a:endParaRPr lang="fr-FR" sz="1200" b="1" dirty="0"/>
+                        </a:p>
+                      </a:txBody>
+                      <a:tcPr/>
+                    </a:tc>
+                    <a:tc>
+                      <a:txBody>
+                        <a:bodyPr/>
+                        <a:lstStyle/>
+                        <a:p>
+                          <a:pPr algn="ctr"/>
+                          <a:endParaRPr lang="fr-FR" sz="1200" b="1" dirty="0"/>
+                        </a:p>
+                      </a:txBody>
+                      <a:tcPr/>
+                    </a:tc>
+                    <a:tc>
+                      <a:txBody>
+                        <a:bodyPr/>
+                        <a:lstStyle/>
+                        <a:p>
+                          <a:pPr algn="ctr"/>
+                          <a:endParaRPr lang="fr-FR" sz="1200" b="1" dirty="0"/>
+                        </a:p>
+                      </a:txBody>
+                      <a:tcPr/>
+                    </a:tc>
+                    <a:tc>
+                      <a:txBody>
+                        <a:bodyPr/>
+                        <a:lstStyle/>
+                        <a:p>
+                          <a:pPr algn="ctr"/>
+                          <a:endParaRPr lang="fr-FR" sz="1200" b="1" dirty="0"/>
+                        </a:p>
+                      </a:txBody>
+                      <a:tcPr/>
+                    </a:tc>
+                    <a:tc>
+                      <a:txBody>
+                        <a:bodyPr/>
+                        <a:lstStyle/>
+                        <a:p>
+                          <a:pPr algn="ctr"/>
+                          <a:endParaRPr lang="fr-FR" sz="1200" b="1" dirty="0"/>
+                        </a:p>
+                      </a:txBody>
+                      <a:tcPr/>
+                    </a:tc>
+                    <a:tc>
+                      <a:txBody>
+                        <a:bodyPr/>
+                        <a:lstStyle/>
+                        <a:p>
+                          <a:pPr algn="ctr"/>
+                          <a:endParaRPr lang="fr-FR" sz="1200" b="1" dirty="0"/>
+                        </a:p>
+                      </a:txBody>
+                      <a:tcPr/>
+                    </a:tc>
+                    <a:extLst>
+                      <a:ext uri="{0D108BD9-81ED-4DB2-BD59-A6C34878D82A}">
+                        <a16:rowId xmlns:a16="http://schemas.microsoft.com/office/drawing/2014/main" val="796291025"/>
+                      </a:ext>
+                    </a:extLst>
+                  </a:tr>
+                  <a:tr h="779512">
+                    <a:tc>
+                      <a:txBody>
+                        <a:bodyPr/>
+                        <a:lstStyle/>
+                        <a:p>
+                          <a:r>
+                            <a:rPr lang="fr-FR" sz="1200" b="1" dirty="0"/>
+                            <a:t>Marge de gain</a:t>
+                          </a:r>
+                        </a:p>
+                      </a:txBody>
+                      <a:tcPr anchor="ctr"/>
+                    </a:tc>
+                    <a:tc>
+                      <a:txBody>
+                        <a:bodyPr/>
+                        <a:lstStyle/>
+                        <a:p>
+                          <a:pPr algn="ctr"/>
+                          <a:r>
+                            <a:rPr lang="fr-FR" sz="1200" b="1" dirty="0"/>
+                            <a:t>&gt; 10dB</a:t>
+                          </a:r>
+                          <a:endParaRPr lang="fr-FR" sz="1200" b="1" i="0" dirty="0"/>
+                        </a:p>
+                      </a:txBody>
+                      <a:tcPr anchor="ctr"/>
+                    </a:tc>
+                    <a:tc>
+                      <a:txBody>
+                        <a:bodyPr/>
+                        <a:lstStyle/>
+                        <a:p>
+                          <a:pPr algn="ctr"/>
+                          <a:endParaRPr lang="fr-FR" sz="1200" b="1" dirty="0"/>
+                        </a:p>
+                      </a:txBody>
+                      <a:tcPr/>
+                    </a:tc>
+                    <a:tc>
+                      <a:txBody>
+                        <a:bodyPr/>
+                        <a:lstStyle/>
+                        <a:p>
+                          <a:pPr algn="ctr"/>
+                          <a:endParaRPr lang="fr-FR" sz="1200" b="1" dirty="0">
+                            <a:solidFill>
+                              <a:srgbClr val="FF0000"/>
+                            </a:solidFill>
+                          </a:endParaRPr>
+                        </a:p>
+                      </a:txBody>
+                      <a:tcPr/>
+                    </a:tc>
+                    <a:tc>
+                      <a:txBody>
+                        <a:bodyPr/>
+                        <a:lstStyle/>
+                        <a:p>
+                          <a:pPr algn="ctr"/>
+                          <a:endParaRPr lang="fr-FR" sz="1200" b="1" dirty="0"/>
+                        </a:p>
+                      </a:txBody>
+                      <a:tcPr/>
+                    </a:tc>
+                    <a:tc>
+                      <a:txBody>
+                        <a:bodyPr/>
+                        <a:lstStyle/>
+                        <a:p>
+                          <a:pPr algn="ctr"/>
+                          <a:endParaRPr lang="fr-FR" sz="1200" b="1" dirty="0"/>
+                        </a:p>
+                      </a:txBody>
+                      <a:tcPr/>
+                    </a:tc>
+                    <a:tc>
+                      <a:txBody>
+                        <a:bodyPr/>
+                        <a:lstStyle/>
+                        <a:p>
+                          <a:pPr algn="ctr"/>
+                          <a:endParaRPr lang="fr-FR" sz="1200" b="1" dirty="0"/>
+                        </a:p>
+                      </a:txBody>
+                      <a:tcPr/>
+                    </a:tc>
+                    <a:tc>
+                      <a:txBody>
+                        <a:bodyPr/>
+                        <a:lstStyle/>
+                        <a:p>
+                          <a:pPr algn="ctr"/>
+                          <a:endParaRPr lang="fr-FR" sz="1200" b="1" dirty="0"/>
+                        </a:p>
+                      </a:txBody>
+                      <a:tcPr/>
+                    </a:tc>
+                    <a:tc>
+                      <a:txBody>
+                        <a:bodyPr/>
+                        <a:lstStyle/>
+                        <a:p>
+                          <a:pPr algn="ctr"/>
+                          <a:endParaRPr lang="fr-FR" sz="1200" b="1" dirty="0"/>
+                        </a:p>
+                      </a:txBody>
+                      <a:tcPr/>
+                    </a:tc>
+                    <a:tc>
+                      <a:txBody>
+                        <a:bodyPr/>
+                        <a:lstStyle/>
+                        <a:p>
+                          <a:pPr algn="ctr"/>
+                          <a:endParaRPr lang="fr-FR" sz="1200" b="1" dirty="0"/>
+                        </a:p>
+                      </a:txBody>
+                      <a:tcPr/>
+                    </a:tc>
+                    <a:extLst>
+                      <a:ext uri="{0D108BD9-81ED-4DB2-BD59-A6C34878D82A}">
+                        <a16:rowId xmlns:a16="http://schemas.microsoft.com/office/drawing/2014/main" val="867770692"/>
+                      </a:ext>
+                    </a:extLst>
+                  </a:tr>
+                  <a:tr h="779512">
+                    <a:tc>
+                      <a:txBody>
+                        <a:bodyPr/>
+                        <a:lstStyle/>
+                        <a:p>
+                          <a:r>
+                            <a:rPr lang="fr-FR" sz="1200" b="1" dirty="0"/>
+                            <a:t>Marge de phase</a:t>
+                          </a:r>
+                        </a:p>
+                      </a:txBody>
+                      <a:tcPr anchor="ctr"/>
+                    </a:tc>
+                    <a:tc>
+                      <a:txBody>
+                        <a:bodyPr/>
+                        <a:lstStyle/>
+                        <a:p>
+                          <a:pPr algn="ctr"/>
+                          <a:r>
+                            <a:rPr lang="fr-FR" sz="1200" b="1" dirty="0"/>
+                            <a:t>&gt; 60°</a:t>
+                          </a:r>
+                          <a:endParaRPr lang="fr-FR" sz="1200" b="1" i="0" dirty="0"/>
+                        </a:p>
+                      </a:txBody>
+                      <a:tcPr anchor="ctr"/>
+                    </a:tc>
+                    <a:tc>
+                      <a:txBody>
+                        <a:bodyPr/>
+                        <a:lstStyle/>
+                        <a:p>
+                          <a:pPr algn="ctr"/>
+                          <a:endParaRPr lang="fr-FR" sz="1200" b="1" dirty="0"/>
+                        </a:p>
+                      </a:txBody>
+                      <a:tcPr/>
+                    </a:tc>
+                    <a:tc>
+                      <a:txBody>
+                        <a:bodyPr/>
+                        <a:lstStyle/>
+                        <a:p>
+                          <a:pPr algn="ctr"/>
+                          <a:endParaRPr lang="fr-FR" sz="1200" b="1" dirty="0"/>
+                        </a:p>
+                      </a:txBody>
+                      <a:tcPr/>
+                    </a:tc>
+                    <a:tc>
+                      <a:txBody>
+                        <a:bodyPr/>
+                        <a:lstStyle/>
+                        <a:p>
+                          <a:pPr algn="ctr"/>
+                          <a:endParaRPr lang="fr-FR" sz="1200" b="1" dirty="0"/>
+                        </a:p>
+                      </a:txBody>
+                      <a:tcPr/>
+                    </a:tc>
+                    <a:tc>
+                      <a:txBody>
+                        <a:bodyPr/>
+                        <a:lstStyle/>
+                        <a:p>
+                          <a:pPr algn="ctr"/>
+                          <a:endParaRPr lang="fr-FR" sz="1200" b="1" dirty="0"/>
+                        </a:p>
+                      </a:txBody>
+                      <a:tcPr/>
+                    </a:tc>
+                    <a:tc>
+                      <a:txBody>
+                        <a:bodyPr/>
+                        <a:lstStyle/>
+                        <a:p>
+                          <a:pPr algn="ctr"/>
+                          <a:endParaRPr lang="fr-FR" sz="1200" b="1" dirty="0"/>
+                        </a:p>
+                      </a:txBody>
+                      <a:tcPr/>
+                    </a:tc>
+                    <a:tc>
+                      <a:txBody>
+                        <a:bodyPr/>
+                        <a:lstStyle/>
+                        <a:p>
+                          <a:pPr algn="ctr"/>
+                          <a:endParaRPr lang="fr-FR" sz="1200" b="1" dirty="0"/>
+                        </a:p>
+                      </a:txBody>
+                      <a:tcPr/>
+                    </a:tc>
+                    <a:tc>
+                      <a:txBody>
+                        <a:bodyPr/>
+                        <a:lstStyle/>
+                        <a:p>
+                          <a:pPr algn="ctr"/>
+                          <a:endParaRPr lang="fr-FR" sz="1200" b="1" dirty="0"/>
+                        </a:p>
+                      </a:txBody>
+                      <a:tcPr/>
+                    </a:tc>
+                    <a:tc>
+                      <a:txBody>
+                        <a:bodyPr/>
+                        <a:lstStyle/>
+                        <a:p>
+                          <a:pPr algn="ctr"/>
+                          <a:endParaRPr lang="fr-FR" sz="1200" b="1" dirty="0"/>
+                        </a:p>
+                      </a:txBody>
+                      <a:tcPr/>
+                    </a:tc>
+                    <a:extLst>
+                      <a:ext uri="{0D108BD9-81ED-4DB2-BD59-A6C34878D82A}">
+                        <a16:rowId xmlns:a16="http://schemas.microsoft.com/office/drawing/2014/main" val="1188097744"/>
+                      </a:ext>
+                    </a:extLst>
+                  </a:tr>
+                </a:tbl>
+              </a:graphicData>
+            </a:graphic>
+          </p:graphicFrame>
+        </mc:Choice>
+        <mc:Fallback>
+          <p:graphicFrame>
+            <p:nvGraphicFramePr>
+              <p:cNvPr id="4" name="Tableau 3">
+                <a:extLst>
+                  <a:ext uri="{FF2B5EF4-FFF2-40B4-BE49-F238E27FC236}">
+                    <a16:creationId xmlns:a16="http://schemas.microsoft.com/office/drawing/2014/main" id="{2BEFDEB5-FB54-4F00-9CE0-5D70464C773A}"/>
+                  </a:ext>
+                </a:extLst>
+              </p:cNvPr>
+              <p:cNvGraphicFramePr>
+                <a:graphicFrameLocks noGrp="1"/>
+              </p:cNvGraphicFramePr>
+              <p:nvPr>
+                <p:extLst>
+                  <p:ext uri="{D42A27DB-BD31-4B8C-83A1-F6EECF244321}">
+                    <p14:modId xmlns:p14="http://schemas.microsoft.com/office/powerpoint/2010/main" val="3655666923"/>
+                  </p:ext>
+                </p:extLst>
+              </p:nvPr>
+            </p:nvGraphicFramePr>
+            <p:xfrm>
+              <a:off x="0" y="558801"/>
+              <a:ext cx="12191992" cy="5991585"/>
+            </p:xfrm>
+            <a:graphic>
+              <a:graphicData uri="http://schemas.openxmlformats.org/drawingml/2006/table">
+                <a:tbl>
+                  <a:tblPr firstRow="1" bandRow="1">
+                    <a:tableStyleId>{073A0DAA-6AF3-43AB-8588-CEC1D06C72B9}</a:tableStyleId>
+                  </a:tblPr>
+                  <a:tblGrid>
+                    <a:gridCol w="1117600">
+                      <a:extLst>
+                        <a:ext uri="{9D8B030D-6E8A-4147-A177-3AD203B41FA5}">
+                          <a16:colId xmlns:a16="http://schemas.microsoft.com/office/drawing/2014/main" val="1307688907"/>
+                        </a:ext>
+                      </a:extLst>
+                    </a:gridCol>
+                    <a:gridCol w="843280">
+                      <a:extLst>
+                        <a:ext uri="{9D8B030D-6E8A-4147-A177-3AD203B41FA5}">
+                          <a16:colId xmlns:a16="http://schemas.microsoft.com/office/drawing/2014/main" val="2853866184"/>
+                        </a:ext>
+                      </a:extLst>
+                    </a:gridCol>
+                    <a:gridCol w="964694">
+                      <a:extLst>
+                        <a:ext uri="{9D8B030D-6E8A-4147-A177-3AD203B41FA5}">
+                          <a16:colId xmlns:a16="http://schemas.microsoft.com/office/drawing/2014/main" val="840737120"/>
+                        </a:ext>
+                      </a:extLst>
+                    </a:gridCol>
+                    <a:gridCol w="1323774">
+                      <a:extLst>
+                        <a:ext uri="{9D8B030D-6E8A-4147-A177-3AD203B41FA5}">
+                          <a16:colId xmlns:a16="http://schemas.microsoft.com/office/drawing/2014/main" val="3358697541"/>
+                        </a:ext>
+                      </a:extLst>
+                    </a:gridCol>
+                    <a:gridCol w="1323774">
+                      <a:extLst>
+                        <a:ext uri="{9D8B030D-6E8A-4147-A177-3AD203B41FA5}">
+                          <a16:colId xmlns:a16="http://schemas.microsoft.com/office/drawing/2014/main" val="796939262"/>
+                        </a:ext>
+                      </a:extLst>
+                    </a:gridCol>
+                    <a:gridCol w="1323774">
+                      <a:extLst>
+                        <a:ext uri="{9D8B030D-6E8A-4147-A177-3AD203B41FA5}">
+                          <a16:colId xmlns:a16="http://schemas.microsoft.com/office/drawing/2014/main" val="654630811"/>
+                        </a:ext>
+                      </a:extLst>
+                    </a:gridCol>
+                    <a:gridCol w="1323774">
+                      <a:extLst>
+                        <a:ext uri="{9D8B030D-6E8A-4147-A177-3AD203B41FA5}">
+                          <a16:colId xmlns:a16="http://schemas.microsoft.com/office/drawing/2014/main" val="3230945894"/>
+                        </a:ext>
+                      </a:extLst>
+                    </a:gridCol>
+                    <a:gridCol w="1323774">
+                      <a:extLst>
+                        <a:ext uri="{9D8B030D-6E8A-4147-A177-3AD203B41FA5}">
+                          <a16:colId xmlns:a16="http://schemas.microsoft.com/office/drawing/2014/main" val="404467286"/>
+                        </a:ext>
+                      </a:extLst>
+                    </a:gridCol>
+                    <a:gridCol w="1323774">
+                      <a:extLst>
+                        <a:ext uri="{9D8B030D-6E8A-4147-A177-3AD203B41FA5}">
+                          <a16:colId xmlns:a16="http://schemas.microsoft.com/office/drawing/2014/main" val="987177327"/>
+                        </a:ext>
+                      </a:extLst>
+                    </a:gridCol>
+                    <a:gridCol w="1323774">
+                      <a:extLst>
+                        <a:ext uri="{9D8B030D-6E8A-4147-A177-3AD203B41FA5}">
+                          <a16:colId xmlns:a16="http://schemas.microsoft.com/office/drawing/2014/main" val="3641033366"/>
+                        </a:ext>
+                      </a:extLst>
+                    </a:gridCol>
+                  </a:tblGrid>
+                  <a:tr h="735394">
+                    <a:tc>
+                      <a:txBody>
+                        <a:bodyPr/>
+                        <a:lstStyle/>
+                        <a:p>
+                          <a:endParaRPr lang="fr-FR" sz="1200" dirty="0">
+                            <a:solidFill>
+                              <a:schemeClr val="tx1"/>
+                            </a:solidFill>
+                          </a:endParaRPr>
+                        </a:p>
+                      </a:txBody>
+                      <a:tcPr anchor="ctr">
+                        <a:solidFill>
+                          <a:schemeClr val="bg2">
+                            <a:lumMod val="90000"/>
+                          </a:schemeClr>
+                        </a:solidFill>
+                      </a:tcPr>
+                    </a:tc>
+                    <a:tc>
+                      <a:txBody>
+                        <a:bodyPr/>
+                        <a:lstStyle/>
+                        <a:p>
+                          <a:pPr algn="ctr"/>
+                          <a:r>
+                            <a:rPr lang="fr-FR" sz="1200" b="1" i="0" dirty="0">
+                              <a:solidFill>
+                                <a:schemeClr val="tx1"/>
+                              </a:solidFill>
+                            </a:rPr>
+                            <a:t>Cahier des charges</a:t>
+                          </a:r>
+                        </a:p>
+                      </a:txBody>
+                      <a:tcPr anchor="ctr">
+                        <a:solidFill>
+                          <a:schemeClr val="bg2">
+                            <a:lumMod val="90000"/>
+                          </a:schemeClr>
+                        </a:solidFill>
+                      </a:tcPr>
+                    </a:tc>
+                    <a:tc>
+                      <a:txBody>
+                        <a:bodyPr/>
+                        <a:lstStyle/>
+                        <a:p>
+                          <a:pPr algn="ctr"/>
+                          <a:r>
+                            <a:rPr lang="fr-FR" sz="1200" b="1" dirty="0">
+                              <a:solidFill>
+                                <a:schemeClr val="tx1"/>
+                              </a:solidFill>
+                            </a:rPr>
+                            <a:t>Pas de correction</a:t>
+                          </a:r>
+                        </a:p>
+                      </a:txBody>
+                      <a:tcPr anchor="ctr">
+                        <a:solidFill>
+                          <a:schemeClr val="bg2">
+                            <a:lumMod val="90000"/>
+                          </a:schemeClr>
+                        </a:solidFill>
+                      </a:tcPr>
+                    </a:tc>
+                    <a:tc>
+                      <a:txBody>
+                        <a:bodyPr/>
+                        <a:lstStyle/>
+                        <a:p>
+                          <a:endParaRPr lang="fr-FR"/>
+                        </a:p>
+                      </a:txBody>
+                      <a:tcPr anchor="ctr">
+                        <a:blipFill>
+                          <a:blip r:embed="rId3"/>
+                          <a:stretch>
+                            <a:fillRect l="-222120" t="-826" r="-602765" b="-714876"/>
+                          </a:stretch>
+                        </a:blipFill>
+                      </a:tcPr>
+                    </a:tc>
+                    <a:tc>
+                      <a:txBody>
+                        <a:bodyPr/>
+                        <a:lstStyle/>
+                        <a:p>
+                          <a:endParaRPr lang="fr-FR"/>
+                        </a:p>
+                      </a:txBody>
+                      <a:tcPr anchor="ctr">
+                        <a:blipFill>
+                          <a:blip r:embed="rId3"/>
+                          <a:stretch>
+                            <a:fillRect l="-322120" t="-826" r="-502765" b="-714876"/>
+                          </a:stretch>
+                        </a:blipFill>
+                      </a:tcPr>
+                    </a:tc>
+                    <a:tc>
+                      <a:txBody>
+                        <a:bodyPr/>
+                        <a:lstStyle/>
+                        <a:p>
+                          <a:endParaRPr lang="fr-FR"/>
+                        </a:p>
+                      </a:txBody>
+                      <a:tcPr anchor="ctr">
+                        <a:blipFill>
+                          <a:blip r:embed="rId3"/>
+                          <a:stretch>
+                            <a:fillRect l="-422120" t="-826" r="-402765" b="-714876"/>
+                          </a:stretch>
+                        </a:blipFill>
+                      </a:tcPr>
+                    </a:tc>
+                    <a:tc>
+                      <a:txBody>
+                        <a:bodyPr/>
+                        <a:lstStyle/>
+                        <a:p>
+                          <a:endParaRPr lang="fr-FR"/>
+                        </a:p>
+                      </a:txBody>
+                      <a:tcPr anchor="ctr">
+                        <a:blipFill>
+                          <a:blip r:embed="rId3"/>
+                          <a:stretch>
+                            <a:fillRect l="-519725" t="-826" r="-300917" b="-714876"/>
+                          </a:stretch>
+                        </a:blipFill>
+                      </a:tcPr>
+                    </a:tc>
+                    <a:tc>
+                      <a:txBody>
+                        <a:bodyPr/>
+                        <a:lstStyle/>
+                        <a:p>
+                          <a:endParaRPr lang="fr-FR"/>
+                        </a:p>
+                      </a:txBody>
+                      <a:tcPr anchor="ctr">
+                        <a:blipFill>
+                          <a:blip r:embed="rId3"/>
+                          <a:stretch>
+                            <a:fillRect l="-622581" t="-826" r="-202304" b="-714876"/>
+                          </a:stretch>
+                        </a:blipFill>
+                      </a:tcPr>
+                    </a:tc>
+                    <a:tc>
+                      <a:txBody>
+                        <a:bodyPr/>
+                        <a:lstStyle/>
+                        <a:p>
+                          <a:endParaRPr lang="fr-FR"/>
+                        </a:p>
+                      </a:txBody>
+                      <a:tcPr anchor="ctr">
+                        <a:blipFill>
+                          <a:blip r:embed="rId3"/>
+                          <a:stretch>
+                            <a:fillRect l="-722581" t="-826" r="-102304" b="-714876"/>
+                          </a:stretch>
+                        </a:blipFill>
+                      </a:tcPr>
+                    </a:tc>
+                    <a:tc>
+                      <a:txBody>
+                        <a:bodyPr/>
+                        <a:lstStyle/>
+                        <a:p>
+                          <a:pPr algn="ctr"/>
+                          <a:r>
+                            <a:rPr lang="fr-FR" sz="1050" b="1" dirty="0">
+                              <a:solidFill>
+                                <a:schemeClr val="tx1"/>
+                              </a:solidFill>
+                            </a:rPr>
+                            <a:t>PID</a:t>
+                          </a:r>
+                        </a:p>
+                      </a:txBody>
+                      <a:tcPr anchor="ctr">
+                        <a:solidFill>
+                          <a:schemeClr val="bg2">
+                            <a:lumMod val="90000"/>
+                          </a:schemeClr>
+                        </a:solidFill>
+                      </a:tcPr>
+                    </a:tc>
+                    <a:extLst>
+                      <a:ext uri="{0D108BD9-81ED-4DB2-BD59-A6C34878D82A}">
+                        <a16:rowId xmlns:a16="http://schemas.microsoft.com/office/drawing/2014/main" val="4042139984"/>
+                      </a:ext>
+                    </a:extLst>
+                  </a:tr>
+                  <a:tr h="579119">
+                    <a:tc>
+                      <a:txBody>
+                        <a:bodyPr/>
+                        <a:lstStyle/>
+                        <a:p>
+                          <a:r>
+                            <a:rPr lang="fr-FR" sz="1200" b="1" dirty="0">
+                              <a:solidFill>
+                                <a:schemeClr val="tx1"/>
+                              </a:solidFill>
+                            </a:rPr>
+                            <a:t>Paramètre du correcteur</a:t>
+                          </a:r>
+                        </a:p>
+                      </a:txBody>
+                      <a:tcPr>
+                        <a:solidFill>
+                          <a:schemeClr val="bg2">
+                            <a:lumMod val="90000"/>
+                          </a:schemeClr>
+                        </a:solidFill>
+                      </a:tcPr>
+                    </a:tc>
+                    <a:tc>
+                      <a:txBody>
+                        <a:bodyPr/>
+                        <a:lstStyle/>
+                        <a:p>
+                          <a:pPr algn="ctr"/>
+                          <a:endParaRPr lang="fr-FR" sz="1200" b="0" i="0" dirty="0">
+                            <a:solidFill>
+                              <a:schemeClr val="tx1"/>
+                            </a:solidFill>
+                          </a:endParaRPr>
+                        </a:p>
+                      </a:txBody>
+                      <a:tcPr anchor="ctr">
+                        <a:solidFill>
+                          <a:schemeClr val="bg2">
+                            <a:lumMod val="90000"/>
+                          </a:schemeClr>
+                        </a:solidFill>
+                      </a:tcPr>
+                    </a:tc>
+                    <a:tc>
+                      <a:txBody>
+                        <a:bodyPr/>
+                        <a:lstStyle/>
+                        <a:p>
+                          <a:pPr algn="ctr"/>
+                          <a:endParaRPr lang="fr-FR" sz="1200" b="0" dirty="0">
+                            <a:solidFill>
+                              <a:schemeClr val="tx1"/>
+                            </a:solidFill>
+                          </a:endParaRPr>
+                        </a:p>
+                      </a:txBody>
+                      <a:tcPr anchor="ctr">
+                        <a:solidFill>
+                          <a:schemeClr val="bg2">
+                            <a:lumMod val="90000"/>
+                          </a:schemeClr>
+                        </a:solidFill>
+                      </a:tcPr>
+                    </a:tc>
+                    <a:tc>
+                      <a:txBody>
+                        <a:bodyPr/>
+                        <a:lstStyle/>
+                        <a:p>
+                          <a:pPr algn="ctr"/>
+                          <a:endParaRPr lang="fr-FR" sz="1050" b="0" dirty="0">
+                            <a:solidFill>
+                              <a:schemeClr val="tx1"/>
+                            </a:solidFill>
+                          </a:endParaRPr>
+                        </a:p>
+                      </a:txBody>
+                      <a:tcPr>
+                        <a:solidFill>
+                          <a:schemeClr val="bg2">
+                            <a:lumMod val="90000"/>
+                          </a:schemeClr>
+                        </a:solidFill>
+                      </a:tcPr>
+                    </a:tc>
+                    <a:tc>
+                      <a:txBody>
+                        <a:bodyPr/>
+                        <a:lstStyle/>
+                        <a:p>
+                          <a:pPr algn="ctr"/>
+                          <a:endParaRPr lang="fr-FR" sz="1050" b="0" dirty="0">
+                            <a:solidFill>
+                              <a:schemeClr val="tx1"/>
+                            </a:solidFill>
+                          </a:endParaRPr>
+                        </a:p>
+                      </a:txBody>
+                      <a:tcPr>
+                        <a:solidFill>
+                          <a:schemeClr val="bg2">
+                            <a:lumMod val="90000"/>
+                          </a:schemeClr>
+                        </a:solidFill>
+                      </a:tcPr>
+                    </a:tc>
+                    <a:tc>
+                      <a:txBody>
+                        <a:bodyPr/>
+                        <a:lstStyle/>
+                        <a:p>
+                          <a:pPr algn="ctr"/>
+                          <a:endParaRPr lang="fr-FR" sz="1050" b="0" dirty="0">
+                            <a:solidFill>
+                              <a:schemeClr val="tx1"/>
+                            </a:solidFill>
+                          </a:endParaRPr>
+                        </a:p>
+                      </a:txBody>
+                      <a:tcPr>
+                        <a:solidFill>
+                          <a:schemeClr val="bg2">
+                            <a:lumMod val="90000"/>
+                          </a:schemeClr>
+                        </a:solidFill>
+                      </a:tcPr>
+                    </a:tc>
+                    <a:tc>
+                      <a:txBody>
+                        <a:bodyPr/>
+                        <a:lstStyle/>
+                        <a:p>
+                          <a:pPr algn="ctr"/>
+                          <a:endParaRPr lang="fr-FR" sz="1050" b="0" dirty="0">
+                            <a:solidFill>
+                              <a:schemeClr val="tx1"/>
+                            </a:solidFill>
+                          </a:endParaRPr>
+                        </a:p>
+                      </a:txBody>
+                      <a:tcPr>
+                        <a:solidFill>
+                          <a:schemeClr val="bg2">
+                            <a:lumMod val="90000"/>
+                          </a:schemeClr>
+                        </a:solidFill>
+                      </a:tcPr>
+                    </a:tc>
+                    <a:tc>
+                      <a:txBody>
+                        <a:bodyPr/>
+                        <a:lstStyle/>
+                        <a:p>
+                          <a:pPr algn="ctr"/>
+                          <a:endParaRPr lang="fr-FR" sz="1050" b="0" dirty="0">
+                            <a:solidFill>
+                              <a:schemeClr val="tx1"/>
+                            </a:solidFill>
+                          </a:endParaRPr>
+                        </a:p>
+                      </a:txBody>
+                      <a:tcPr>
+                        <a:solidFill>
+                          <a:schemeClr val="bg2">
+                            <a:lumMod val="90000"/>
+                          </a:schemeClr>
+                        </a:solidFill>
+                      </a:tcPr>
+                    </a:tc>
+                    <a:tc>
+                      <a:txBody>
+                        <a:bodyPr/>
+                        <a:lstStyle/>
+                        <a:p>
+                          <a:pPr algn="ctr"/>
+                          <a:endParaRPr lang="fr-FR" sz="1050" b="0" dirty="0">
+                            <a:solidFill>
+                              <a:schemeClr val="tx1"/>
+                            </a:solidFill>
+                          </a:endParaRPr>
+                        </a:p>
+                      </a:txBody>
+                      <a:tcPr>
+                        <a:solidFill>
+                          <a:schemeClr val="bg2">
+                            <a:lumMod val="90000"/>
+                          </a:schemeClr>
+                        </a:solidFill>
+                      </a:tcPr>
+                    </a:tc>
+                    <a:tc>
+                      <a:txBody>
+                        <a:bodyPr/>
+                        <a:lstStyle/>
+                        <a:p>
+                          <a:pPr algn="ctr"/>
+                          <a:endParaRPr lang="fr-FR" sz="1050" b="0" dirty="0">
+                            <a:solidFill>
+                              <a:schemeClr val="tx1"/>
+                            </a:solidFill>
+                          </a:endParaRPr>
+                        </a:p>
+                      </a:txBody>
+                      <a:tcPr>
+                        <a:solidFill>
+                          <a:schemeClr val="bg2">
+                            <a:lumMod val="90000"/>
+                          </a:schemeClr>
+                        </a:solidFill>
+                      </a:tcPr>
+                    </a:tc>
+                    <a:extLst>
+                      <a:ext uri="{0D108BD9-81ED-4DB2-BD59-A6C34878D82A}">
+                        <a16:rowId xmlns:a16="http://schemas.microsoft.com/office/drawing/2014/main" val="3895696165"/>
+                      </a:ext>
+                    </a:extLst>
+                  </a:tr>
+                  <a:tr h="779512">
+                    <a:tc>
+                      <a:txBody>
+                        <a:bodyPr/>
+                        <a:lstStyle/>
+                        <a:p>
+                          <a:r>
+                            <a:rPr lang="fr-FR" sz="1200" b="1" dirty="0"/>
+                            <a:t>Erreur statique</a:t>
+                          </a:r>
+                        </a:p>
+                      </a:txBody>
+                      <a:tcPr anchor="ctr"/>
+                    </a:tc>
+                    <a:tc>
+                      <a:txBody>
+                        <a:bodyPr/>
+                        <a:lstStyle/>
+                        <a:p>
+                          <a:pPr algn="ctr"/>
+                          <a:r>
+                            <a:rPr lang="fr-FR" sz="1200" b="1" dirty="0"/>
+                            <a:t>0 mm</a:t>
+                          </a:r>
+                          <a:endParaRPr lang="fr-FR" sz="1200" b="1" i="0" dirty="0"/>
+                        </a:p>
+                      </a:txBody>
+                      <a:tcPr anchor="ctr"/>
+                    </a:tc>
+                    <a:tc>
+                      <a:txBody>
+                        <a:bodyPr/>
+                        <a:lstStyle/>
+                        <a:p>
+                          <a:pPr algn="ctr"/>
+                          <a:endParaRPr lang="fr-FR" sz="1200" b="1" dirty="0"/>
+                        </a:p>
+                      </a:txBody>
+                      <a:tcPr/>
+                    </a:tc>
+                    <a:tc>
+                      <a:txBody>
+                        <a:bodyPr/>
+                        <a:lstStyle/>
+                        <a:p>
+                          <a:pPr algn="ctr"/>
+                          <a:endParaRPr lang="fr-FR" sz="1200" b="1" dirty="0">
+                            <a:solidFill>
+                              <a:srgbClr val="FF0000"/>
+                            </a:solidFill>
+                          </a:endParaRPr>
+                        </a:p>
+                      </a:txBody>
+                      <a:tcPr/>
+                    </a:tc>
+                    <a:tc>
+                      <a:txBody>
+                        <a:bodyPr/>
+                        <a:lstStyle/>
+                        <a:p>
+                          <a:pPr algn="ctr"/>
+                          <a:endParaRPr lang="fr-FR" sz="1200" b="1" dirty="0"/>
+                        </a:p>
+                      </a:txBody>
+                      <a:tcPr/>
+                    </a:tc>
+                    <a:tc>
+                      <a:txBody>
+                        <a:bodyPr/>
+                        <a:lstStyle/>
+                        <a:p>
+                          <a:pPr algn="ctr"/>
+                          <a:endParaRPr lang="fr-FR" sz="1200" b="1" dirty="0"/>
+                        </a:p>
+                      </a:txBody>
+                      <a:tcPr/>
+                    </a:tc>
+                    <a:tc>
+                      <a:txBody>
+                        <a:bodyPr/>
+                        <a:lstStyle/>
+                        <a:p>
+                          <a:pPr algn="ctr"/>
+                          <a:endParaRPr lang="fr-FR" sz="1200" b="1" dirty="0"/>
+                        </a:p>
+                      </a:txBody>
+                      <a:tcPr/>
+                    </a:tc>
+                    <a:tc>
+                      <a:txBody>
+                        <a:bodyPr/>
+                        <a:lstStyle/>
+                        <a:p>
+                          <a:pPr algn="ctr"/>
+                          <a:endParaRPr lang="fr-FR" sz="1200" b="1" dirty="0"/>
+                        </a:p>
+                      </a:txBody>
+                      <a:tcPr/>
+                    </a:tc>
+                    <a:tc>
+                      <a:txBody>
+                        <a:bodyPr/>
+                        <a:lstStyle/>
+                        <a:p>
+                          <a:pPr algn="ctr"/>
+                          <a:endParaRPr lang="fr-FR" sz="1200" b="1" dirty="0"/>
+                        </a:p>
+                      </a:txBody>
+                      <a:tcPr/>
+                    </a:tc>
+                    <a:tc>
+                      <a:txBody>
+                        <a:bodyPr/>
+                        <a:lstStyle/>
+                        <a:p>
+                          <a:pPr algn="ctr"/>
+                          <a:endParaRPr lang="fr-FR" sz="1200" b="1" dirty="0"/>
+                        </a:p>
+                      </a:txBody>
+                      <a:tcPr/>
+                    </a:tc>
+                    <a:extLst>
+                      <a:ext uri="{0D108BD9-81ED-4DB2-BD59-A6C34878D82A}">
+                        <a16:rowId xmlns:a16="http://schemas.microsoft.com/office/drawing/2014/main" val="924083723"/>
+                      </a:ext>
+                    </a:extLst>
+                  </a:tr>
+                  <a:tr h="779512">
+                    <a:tc>
+                      <a:txBody>
+                        <a:bodyPr/>
+                        <a:lstStyle/>
+                        <a:p>
+                          <a:r>
+                            <a:rPr lang="fr-FR" sz="1200" b="1" dirty="0"/>
+                            <a:t>Erreur de trainage</a:t>
+                          </a:r>
+                        </a:p>
+                      </a:txBody>
+                      <a:tcPr anchor="ctr"/>
+                    </a:tc>
+                    <a:tc>
+                      <a:txBody>
+                        <a:bodyPr/>
+                        <a:lstStyle/>
+                        <a:p>
+                          <a:pPr algn="ctr"/>
+                          <a:r>
+                            <a:rPr lang="fr-FR" sz="1200" b="1" dirty="0"/>
+                            <a:t>&lt; 0,2 mm</a:t>
+                          </a:r>
+                          <a:endParaRPr lang="fr-FR" sz="1200" b="1" i="0" dirty="0"/>
+                        </a:p>
+                      </a:txBody>
+                      <a:tcPr anchor="ctr"/>
+                    </a:tc>
+                    <a:tc>
+                      <a:txBody>
+                        <a:bodyPr/>
+                        <a:lstStyle/>
+                        <a:p>
+                          <a:pPr algn="ctr"/>
+                          <a:endParaRPr lang="fr-FR" sz="1200" b="1" dirty="0">
+                            <a:solidFill>
+                              <a:srgbClr val="FF0000"/>
+                            </a:solidFill>
+                          </a:endParaRPr>
+                        </a:p>
+                      </a:txBody>
+                      <a:tcPr/>
+                    </a:tc>
+                    <a:tc>
+                      <a:txBody>
+                        <a:bodyPr/>
+                        <a:lstStyle/>
+                        <a:p>
+                          <a:pPr marL="0" marR="0" lvl="0" indent="0" algn="ctr" defTabSz="914400" rtl="0" eaLnBrk="1" fontAlgn="auto" latinLnBrk="0" hangingPunct="1">
+                            <a:lnSpc>
+                              <a:spcPct val="100000"/>
+                            </a:lnSpc>
+                            <a:spcBef>
+                              <a:spcPts val="0"/>
+                            </a:spcBef>
+                            <a:spcAft>
+                              <a:spcPts val="0"/>
+                            </a:spcAft>
+                            <a:buClrTx/>
+                            <a:buSzTx/>
+                            <a:buFontTx/>
+                            <a:buNone/>
+                            <a:tabLst/>
+                            <a:defRPr/>
+                          </a:pPr>
+                          <a:endParaRPr lang="fr-FR" sz="1200" b="1" dirty="0">
+                            <a:solidFill>
+                              <a:srgbClr val="FF0000"/>
+                            </a:solidFill>
+                          </a:endParaRPr>
+                        </a:p>
+                      </a:txBody>
+                      <a:tcPr/>
+                    </a:tc>
+                    <a:tc>
+                      <a:txBody>
+                        <a:bodyPr/>
+                        <a:lstStyle/>
+                        <a:p>
+                          <a:pPr algn="ctr"/>
+                          <a:endParaRPr lang="fr-FR" sz="1200" b="1" dirty="0"/>
+                        </a:p>
+                      </a:txBody>
+                      <a:tcPr/>
+                    </a:tc>
+                    <a:tc>
+                      <a:txBody>
+                        <a:bodyPr/>
+                        <a:lstStyle/>
+                        <a:p>
+                          <a:pPr algn="ctr"/>
+                          <a:endParaRPr lang="fr-FR" sz="1200" b="1" dirty="0"/>
+                        </a:p>
+                      </a:txBody>
+                      <a:tcPr/>
+                    </a:tc>
+                    <a:tc>
+                      <a:txBody>
+                        <a:bodyPr/>
+                        <a:lstStyle/>
+                        <a:p>
+                          <a:pPr algn="ctr"/>
+                          <a:endParaRPr lang="fr-FR" sz="1200" b="1" dirty="0"/>
+                        </a:p>
+                      </a:txBody>
+                      <a:tcPr/>
+                    </a:tc>
+                    <a:tc>
+                      <a:txBody>
+                        <a:bodyPr/>
+                        <a:lstStyle/>
+                        <a:p>
+                          <a:pPr algn="ctr"/>
+                          <a:endParaRPr lang="fr-FR" sz="1200" b="1" dirty="0"/>
+                        </a:p>
+                      </a:txBody>
+                      <a:tcPr/>
+                    </a:tc>
+                    <a:tc>
+                      <a:txBody>
+                        <a:bodyPr/>
+                        <a:lstStyle/>
+                        <a:p>
+                          <a:pPr algn="ctr"/>
+                          <a:endParaRPr lang="fr-FR" sz="1200" b="1" dirty="0"/>
+                        </a:p>
+                      </a:txBody>
+                      <a:tcPr/>
+                    </a:tc>
+                    <a:tc>
+                      <a:txBody>
+                        <a:bodyPr/>
+                        <a:lstStyle/>
+                        <a:p>
+                          <a:pPr algn="ctr"/>
+                          <a:endParaRPr lang="fr-FR" sz="1200" b="1" dirty="0"/>
+                        </a:p>
+                      </a:txBody>
+                      <a:tcPr/>
+                    </a:tc>
+                    <a:extLst>
+                      <a:ext uri="{0D108BD9-81ED-4DB2-BD59-A6C34878D82A}">
+                        <a16:rowId xmlns:a16="http://schemas.microsoft.com/office/drawing/2014/main" val="1565726987"/>
+                      </a:ext>
+                    </a:extLst>
+                  </a:tr>
+                  <a:tr h="779512">
+                    <a:tc>
+                      <a:txBody>
+                        <a:bodyPr/>
+                        <a:lstStyle/>
+                        <a:p>
+                          <a:pPr marL="0" marR="0" lvl="0" indent="0" algn="l" defTabSz="914400" rtl="0" eaLnBrk="1" fontAlgn="auto" latinLnBrk="0" hangingPunct="1">
+                            <a:lnSpc>
+                              <a:spcPct val="100000"/>
+                            </a:lnSpc>
+                            <a:spcBef>
+                              <a:spcPts val="0"/>
+                            </a:spcBef>
+                            <a:spcAft>
+                              <a:spcPts val="0"/>
+                            </a:spcAft>
+                            <a:buClrTx/>
+                            <a:buSzTx/>
+                            <a:buFontTx/>
+                            <a:buNone/>
+                            <a:tabLst/>
+                            <a:defRPr/>
+                          </a:pPr>
+                          <a:r>
+                            <a:rPr lang="fr-FR" sz="1200" b="1" dirty="0"/>
+                            <a:t>Temps de réponse à 5%</a:t>
+                          </a:r>
+                        </a:p>
+                      </a:txBody>
+                      <a:tcPr anchor="ctr"/>
+                    </a:tc>
+                    <a:tc>
+                      <a:txBody>
+                        <a:bodyPr/>
+                        <a:lstStyle/>
+                        <a:p>
+                          <a:pPr algn="ctr"/>
+                          <a:r>
+                            <a:rPr lang="fr-FR" sz="1200" b="1" dirty="0"/>
+                            <a:t>0,045 s</a:t>
+                          </a:r>
+                          <a:endParaRPr lang="fr-FR" sz="1200" b="1" i="0" dirty="0"/>
+                        </a:p>
+                      </a:txBody>
+                      <a:tcPr anchor="ctr"/>
+                    </a:tc>
+                    <a:tc>
+                      <a:txBody>
+                        <a:bodyPr/>
+                        <a:lstStyle/>
+                        <a:p>
+                          <a:pPr algn="ctr"/>
+                          <a:endParaRPr lang="fr-FR" sz="1200" b="1" dirty="0">
+                            <a:solidFill>
+                              <a:srgbClr val="FF0000"/>
+                            </a:solidFill>
+                          </a:endParaRPr>
+                        </a:p>
+                      </a:txBody>
+                      <a:tcPr/>
+                    </a:tc>
+                    <a:tc>
+                      <a:txBody>
+                        <a:bodyPr/>
+                        <a:lstStyle/>
+                        <a:p>
+                          <a:pPr algn="ctr"/>
+                          <a:endParaRPr lang="fr-FR" sz="1200" b="1" dirty="0">
+                            <a:solidFill>
+                              <a:srgbClr val="FF0000"/>
+                            </a:solidFill>
+                          </a:endParaRPr>
+                        </a:p>
+                      </a:txBody>
+                      <a:tcPr/>
+                    </a:tc>
+                    <a:tc>
+                      <a:txBody>
+                        <a:bodyPr/>
+                        <a:lstStyle/>
+                        <a:p>
+                          <a:pPr algn="ctr"/>
+                          <a:endParaRPr lang="fr-FR" sz="1200" b="1" dirty="0"/>
+                        </a:p>
+                      </a:txBody>
+                      <a:tcPr/>
+                    </a:tc>
+                    <a:tc>
+                      <a:txBody>
+                        <a:bodyPr/>
+                        <a:lstStyle/>
+                        <a:p>
+                          <a:pPr algn="ctr"/>
+                          <a:endParaRPr lang="fr-FR" sz="1200" b="1" dirty="0"/>
+                        </a:p>
+                      </a:txBody>
+                      <a:tcPr/>
+                    </a:tc>
+                    <a:tc>
+                      <a:txBody>
+                        <a:bodyPr/>
+                        <a:lstStyle/>
+                        <a:p>
+                          <a:pPr algn="ctr"/>
+                          <a:endParaRPr lang="fr-FR" sz="1200" b="1" dirty="0"/>
+                        </a:p>
+                      </a:txBody>
+                      <a:tcPr/>
+                    </a:tc>
+                    <a:tc>
+                      <a:txBody>
+                        <a:bodyPr/>
+                        <a:lstStyle/>
+                        <a:p>
+                          <a:pPr algn="ctr"/>
+                          <a:endParaRPr lang="fr-FR" sz="1200" b="1" dirty="0"/>
+                        </a:p>
+                      </a:txBody>
+                      <a:tcPr/>
+                    </a:tc>
+                    <a:tc>
+                      <a:txBody>
+                        <a:bodyPr/>
+                        <a:lstStyle/>
+                        <a:p>
+                          <a:pPr algn="ctr"/>
+                          <a:endParaRPr lang="fr-FR" sz="1200" b="1" dirty="0"/>
+                        </a:p>
+                      </a:txBody>
+                      <a:tcPr/>
+                    </a:tc>
+                    <a:tc>
+                      <a:txBody>
+                        <a:bodyPr/>
+                        <a:lstStyle/>
+                        <a:p>
+                          <a:pPr algn="ctr"/>
+                          <a:endParaRPr lang="fr-FR" sz="1200" b="1" dirty="0"/>
+                        </a:p>
+                      </a:txBody>
+                      <a:tcPr/>
+                    </a:tc>
+                    <a:extLst>
+                      <a:ext uri="{0D108BD9-81ED-4DB2-BD59-A6C34878D82A}">
+                        <a16:rowId xmlns:a16="http://schemas.microsoft.com/office/drawing/2014/main" val="3226994577"/>
+                      </a:ext>
+                    </a:extLst>
+                  </a:tr>
+                  <a:tr h="779512">
+                    <a:tc>
+                      <a:txBody>
+                        <a:bodyPr/>
+                        <a:lstStyle/>
+                        <a:p>
+                          <a:pPr marL="0" marR="0" lvl="0" indent="0" algn="l" defTabSz="914400" rtl="0" eaLnBrk="1" fontAlgn="auto" latinLnBrk="0" hangingPunct="1">
+                            <a:lnSpc>
+                              <a:spcPct val="100000"/>
+                            </a:lnSpc>
+                            <a:spcBef>
+                              <a:spcPts val="0"/>
+                            </a:spcBef>
+                            <a:spcAft>
+                              <a:spcPts val="0"/>
+                            </a:spcAft>
+                            <a:buClrTx/>
+                            <a:buSzTx/>
+                            <a:buFontTx/>
+                            <a:buNone/>
+                            <a:tabLst/>
+                            <a:defRPr/>
+                          </a:pPr>
+                          <a:r>
+                            <a:rPr lang="fr-FR" sz="1200" b="1" dirty="0"/>
+                            <a:t>Dépassement</a:t>
+                          </a:r>
+                        </a:p>
+                      </a:txBody>
+                      <a:tcPr anchor="ctr"/>
+                    </a:tc>
+                    <a:tc>
+                      <a:txBody>
+                        <a:bodyPr/>
+                        <a:lstStyle/>
+                        <a:p>
+                          <a:pPr marL="0" marR="0" lvl="0" indent="0" algn="ctr" defTabSz="914400" rtl="0" eaLnBrk="1" fontAlgn="auto" latinLnBrk="0" hangingPunct="1">
+                            <a:lnSpc>
+                              <a:spcPct val="100000"/>
+                            </a:lnSpc>
+                            <a:spcBef>
+                              <a:spcPts val="0"/>
+                            </a:spcBef>
+                            <a:spcAft>
+                              <a:spcPts val="0"/>
+                            </a:spcAft>
+                            <a:buClrTx/>
+                            <a:buSzTx/>
+                            <a:buFontTx/>
+                            <a:buNone/>
+                            <a:tabLst/>
+                            <a:defRPr/>
+                          </a:pPr>
+                          <a:r>
+                            <a:rPr lang="fr-FR" sz="1200" b="1" dirty="0"/>
+                            <a:t>&lt; 5%</a:t>
+                          </a:r>
+                          <a:endParaRPr lang="fr-FR" sz="1200" b="1" i="0" dirty="0"/>
+                        </a:p>
+                      </a:txBody>
+                      <a:tcPr anchor="ctr"/>
+                    </a:tc>
+                    <a:tc>
+                      <a:txBody>
+                        <a:bodyPr/>
+                        <a:lstStyle/>
+                        <a:p>
+                          <a:pPr algn="ctr"/>
+                          <a:endParaRPr lang="fr-FR" sz="1200" b="1" dirty="0"/>
+                        </a:p>
+                      </a:txBody>
+                      <a:tcPr/>
+                    </a:tc>
+                    <a:tc>
+                      <a:txBody>
+                        <a:bodyPr/>
+                        <a:lstStyle/>
+                        <a:p>
+                          <a:pPr algn="ctr"/>
+                          <a:endParaRPr lang="fr-FR" sz="1200" b="1" dirty="0">
+                            <a:solidFill>
+                              <a:srgbClr val="FF0000"/>
+                            </a:solidFill>
+                          </a:endParaRPr>
+                        </a:p>
+                      </a:txBody>
+                      <a:tcPr/>
+                    </a:tc>
+                    <a:tc>
+                      <a:txBody>
+                        <a:bodyPr/>
+                        <a:lstStyle/>
+                        <a:p>
+                          <a:pPr algn="ctr"/>
+                          <a:endParaRPr lang="fr-FR" sz="1200" b="1" dirty="0"/>
+                        </a:p>
+                      </a:txBody>
+                      <a:tcPr/>
+                    </a:tc>
+                    <a:tc>
+                      <a:txBody>
+                        <a:bodyPr/>
+                        <a:lstStyle/>
+                        <a:p>
+                          <a:pPr algn="ctr"/>
+                          <a:endParaRPr lang="fr-FR" sz="1200" b="1" dirty="0"/>
+                        </a:p>
+                      </a:txBody>
+                      <a:tcPr/>
+                    </a:tc>
+                    <a:tc>
+                      <a:txBody>
+                        <a:bodyPr/>
+                        <a:lstStyle/>
+                        <a:p>
+                          <a:pPr algn="ctr"/>
+                          <a:endParaRPr lang="fr-FR" sz="1200" b="1" dirty="0"/>
+                        </a:p>
+                      </a:txBody>
+                      <a:tcPr/>
+                    </a:tc>
+                    <a:tc>
+                      <a:txBody>
+                        <a:bodyPr/>
+                        <a:lstStyle/>
+                        <a:p>
+                          <a:pPr algn="ctr"/>
+                          <a:endParaRPr lang="fr-FR" sz="1200" b="1" dirty="0"/>
+                        </a:p>
+                      </a:txBody>
+                      <a:tcPr/>
+                    </a:tc>
+                    <a:tc>
+                      <a:txBody>
+                        <a:bodyPr/>
+                        <a:lstStyle/>
+                        <a:p>
+                          <a:pPr algn="ctr"/>
+                          <a:endParaRPr lang="fr-FR" sz="1200" b="1" dirty="0"/>
+                        </a:p>
+                      </a:txBody>
+                      <a:tcPr/>
+                    </a:tc>
+                    <a:tc>
+                      <a:txBody>
+                        <a:bodyPr/>
+                        <a:lstStyle/>
+                        <a:p>
+                          <a:pPr algn="ctr"/>
+                          <a:endParaRPr lang="fr-FR" sz="1200" b="1" dirty="0"/>
+                        </a:p>
+                      </a:txBody>
+                      <a:tcPr/>
+                    </a:tc>
+                    <a:extLst>
+                      <a:ext uri="{0D108BD9-81ED-4DB2-BD59-A6C34878D82A}">
+                        <a16:rowId xmlns:a16="http://schemas.microsoft.com/office/drawing/2014/main" val="796291025"/>
+                      </a:ext>
+                    </a:extLst>
+                  </a:tr>
+                  <a:tr h="779512">
+                    <a:tc>
+                      <a:txBody>
+                        <a:bodyPr/>
+                        <a:lstStyle/>
+                        <a:p>
+                          <a:r>
+                            <a:rPr lang="fr-FR" sz="1200" b="1" dirty="0"/>
+                            <a:t>Marge de gain</a:t>
+                          </a:r>
+                        </a:p>
+                      </a:txBody>
+                      <a:tcPr anchor="ctr"/>
+                    </a:tc>
+                    <a:tc>
+                      <a:txBody>
+                        <a:bodyPr/>
+                        <a:lstStyle/>
+                        <a:p>
+                          <a:pPr algn="ctr"/>
+                          <a:r>
+                            <a:rPr lang="fr-FR" sz="1200" b="1" dirty="0"/>
+                            <a:t>&gt; 10dB</a:t>
+                          </a:r>
+                          <a:endParaRPr lang="fr-FR" sz="1200" b="1" i="0" dirty="0"/>
+                        </a:p>
+                      </a:txBody>
+                      <a:tcPr anchor="ctr"/>
+                    </a:tc>
+                    <a:tc>
+                      <a:txBody>
+                        <a:bodyPr/>
+                        <a:lstStyle/>
+                        <a:p>
+                          <a:pPr algn="ctr"/>
+                          <a:endParaRPr lang="fr-FR" sz="1200" b="1" dirty="0"/>
+                        </a:p>
+                      </a:txBody>
+                      <a:tcPr/>
+                    </a:tc>
+                    <a:tc>
+                      <a:txBody>
+                        <a:bodyPr/>
+                        <a:lstStyle/>
+                        <a:p>
+                          <a:pPr algn="ctr"/>
+                          <a:endParaRPr lang="fr-FR" sz="1200" b="1" dirty="0">
+                            <a:solidFill>
+                              <a:srgbClr val="FF0000"/>
+                            </a:solidFill>
+                          </a:endParaRPr>
+                        </a:p>
+                      </a:txBody>
+                      <a:tcPr/>
+                    </a:tc>
+                    <a:tc>
+                      <a:txBody>
+                        <a:bodyPr/>
+                        <a:lstStyle/>
+                        <a:p>
+                          <a:pPr algn="ctr"/>
+                          <a:endParaRPr lang="fr-FR" sz="1200" b="1" dirty="0"/>
+                        </a:p>
+                      </a:txBody>
+                      <a:tcPr/>
+                    </a:tc>
+                    <a:tc>
+                      <a:txBody>
+                        <a:bodyPr/>
+                        <a:lstStyle/>
+                        <a:p>
+                          <a:pPr algn="ctr"/>
+                          <a:endParaRPr lang="fr-FR" sz="1200" b="1" dirty="0"/>
+                        </a:p>
+                      </a:txBody>
+                      <a:tcPr/>
+                    </a:tc>
+                    <a:tc>
+                      <a:txBody>
+                        <a:bodyPr/>
+                        <a:lstStyle/>
+                        <a:p>
+                          <a:pPr algn="ctr"/>
+                          <a:endParaRPr lang="fr-FR" sz="1200" b="1" dirty="0"/>
+                        </a:p>
+                      </a:txBody>
+                      <a:tcPr/>
+                    </a:tc>
+                    <a:tc>
+                      <a:txBody>
+                        <a:bodyPr/>
+                        <a:lstStyle/>
+                        <a:p>
+                          <a:pPr algn="ctr"/>
+                          <a:endParaRPr lang="fr-FR" sz="1200" b="1" dirty="0"/>
+                        </a:p>
+                      </a:txBody>
+                      <a:tcPr/>
+                    </a:tc>
+                    <a:tc>
+                      <a:txBody>
+                        <a:bodyPr/>
+                        <a:lstStyle/>
+                        <a:p>
+                          <a:pPr algn="ctr"/>
+                          <a:endParaRPr lang="fr-FR" sz="1200" b="1" dirty="0"/>
+                        </a:p>
+                      </a:txBody>
+                      <a:tcPr/>
+                    </a:tc>
+                    <a:tc>
+                      <a:txBody>
+                        <a:bodyPr/>
+                        <a:lstStyle/>
+                        <a:p>
+                          <a:pPr algn="ctr"/>
+                          <a:endParaRPr lang="fr-FR" sz="1200" b="1" dirty="0"/>
+                        </a:p>
+                      </a:txBody>
+                      <a:tcPr/>
+                    </a:tc>
+                    <a:extLst>
+                      <a:ext uri="{0D108BD9-81ED-4DB2-BD59-A6C34878D82A}">
+                        <a16:rowId xmlns:a16="http://schemas.microsoft.com/office/drawing/2014/main" val="867770692"/>
+                      </a:ext>
+                    </a:extLst>
+                  </a:tr>
+                  <a:tr h="779512">
+                    <a:tc>
+                      <a:txBody>
+                        <a:bodyPr/>
+                        <a:lstStyle/>
+                        <a:p>
+                          <a:r>
+                            <a:rPr lang="fr-FR" sz="1200" b="1" dirty="0"/>
+                            <a:t>Marge de phase</a:t>
+                          </a:r>
+                        </a:p>
+                      </a:txBody>
+                      <a:tcPr anchor="ctr"/>
+                    </a:tc>
+                    <a:tc>
+                      <a:txBody>
+                        <a:bodyPr/>
+                        <a:lstStyle/>
+                        <a:p>
+                          <a:pPr algn="ctr"/>
+                          <a:r>
+                            <a:rPr lang="fr-FR" sz="1200" b="1" dirty="0"/>
+                            <a:t>&gt; 60°</a:t>
+                          </a:r>
+                          <a:endParaRPr lang="fr-FR" sz="1200" b="1" i="0" dirty="0"/>
+                        </a:p>
+                      </a:txBody>
+                      <a:tcPr anchor="ctr"/>
+                    </a:tc>
+                    <a:tc>
+                      <a:txBody>
+                        <a:bodyPr/>
+                        <a:lstStyle/>
+                        <a:p>
+                          <a:pPr algn="ctr"/>
+                          <a:endParaRPr lang="fr-FR" sz="1200" b="1" dirty="0"/>
+                        </a:p>
+                      </a:txBody>
+                      <a:tcPr/>
+                    </a:tc>
+                    <a:tc>
+                      <a:txBody>
+                        <a:bodyPr/>
+                        <a:lstStyle/>
+                        <a:p>
+                          <a:pPr algn="ctr"/>
+                          <a:endParaRPr lang="fr-FR" sz="1200" b="1" dirty="0"/>
+                        </a:p>
+                      </a:txBody>
+                      <a:tcPr/>
+                    </a:tc>
+                    <a:tc>
+                      <a:txBody>
+                        <a:bodyPr/>
+                        <a:lstStyle/>
+                        <a:p>
+                          <a:pPr algn="ctr"/>
+                          <a:endParaRPr lang="fr-FR" sz="1200" b="1" dirty="0"/>
+                        </a:p>
+                      </a:txBody>
+                      <a:tcPr/>
+                    </a:tc>
+                    <a:tc>
+                      <a:txBody>
+                        <a:bodyPr/>
+                        <a:lstStyle/>
+                        <a:p>
+                          <a:pPr algn="ctr"/>
+                          <a:endParaRPr lang="fr-FR" sz="1200" b="1" dirty="0"/>
+                        </a:p>
+                      </a:txBody>
+                      <a:tcPr/>
+                    </a:tc>
+                    <a:tc>
+                      <a:txBody>
+                        <a:bodyPr/>
+                        <a:lstStyle/>
+                        <a:p>
+                          <a:pPr algn="ctr"/>
+                          <a:endParaRPr lang="fr-FR" sz="1200" b="1" dirty="0"/>
+                        </a:p>
+                      </a:txBody>
+                      <a:tcPr/>
+                    </a:tc>
+                    <a:tc>
+                      <a:txBody>
+                        <a:bodyPr/>
+                        <a:lstStyle/>
+                        <a:p>
+                          <a:pPr algn="ctr"/>
+                          <a:endParaRPr lang="fr-FR" sz="1200" b="1" dirty="0"/>
+                        </a:p>
+                      </a:txBody>
+                      <a:tcPr/>
+                    </a:tc>
+                    <a:tc>
+                      <a:txBody>
+                        <a:bodyPr/>
+                        <a:lstStyle/>
+                        <a:p>
+                          <a:pPr algn="ctr"/>
+                          <a:endParaRPr lang="fr-FR" sz="1200" b="1" dirty="0"/>
+                        </a:p>
+                      </a:txBody>
+                      <a:tcPr/>
+                    </a:tc>
+                    <a:tc>
+                      <a:txBody>
+                        <a:bodyPr/>
+                        <a:lstStyle/>
+                        <a:p>
+                          <a:pPr algn="ctr"/>
+                          <a:endParaRPr lang="fr-FR" sz="1200" b="1" dirty="0"/>
+                        </a:p>
+                      </a:txBody>
+                      <a:tcPr/>
+                    </a:tc>
+                    <a:extLst>
+                      <a:ext uri="{0D108BD9-81ED-4DB2-BD59-A6C34878D82A}">
+                        <a16:rowId xmlns:a16="http://schemas.microsoft.com/office/drawing/2014/main" val="1188097744"/>
+                      </a:ext>
+                    </a:extLst>
+                  </a:tr>
+                </a:tbl>
+              </a:graphicData>
+            </a:graphic>
+          </p:graphicFrame>
+        </mc:Fallback>
+      </mc:AlternateContent>
+      <p:sp>
+        <p:nvSpPr>
+          <p:cNvPr id="3" name="ZoneTexte 2">
+            <a:extLst>
+              <a:ext uri="{FF2B5EF4-FFF2-40B4-BE49-F238E27FC236}">
+                <a16:creationId xmlns:a16="http://schemas.microsoft.com/office/drawing/2014/main" id="{B0DFEE7B-00E6-4C69-95BD-949D74F8C1D9}"/>
+              </a:ext>
+            </a:extLst>
+          </p:cNvPr>
+          <p:cNvSpPr txBox="1"/>
+          <p:nvPr/>
+        </p:nvSpPr>
+        <p:spPr>
+          <a:xfrm>
+            <a:off x="0" y="122948"/>
+            <a:ext cx="6096000" cy="369332"/>
+          </a:xfrm>
+          <a:prstGeom prst="rect">
+            <a:avLst/>
+          </a:prstGeom>
+          <a:noFill/>
+        </p:spPr>
+        <p:txBody>
+          <a:bodyPr wrap="square" rtlCol="0">
+            <a:spAutoFit/>
+          </a:bodyPr>
+          <a:lstStyle/>
+          <a:p>
+            <a:r>
+              <a:rPr lang="fr-FR" b="1" dirty="0"/>
+              <a:t>NOM : </a:t>
+            </a:r>
+          </a:p>
+        </p:txBody>
+      </p:sp>
+      <p:sp>
+        <p:nvSpPr>
+          <p:cNvPr id="7" name="ZoneTexte 6">
+            <a:extLst>
+              <a:ext uri="{FF2B5EF4-FFF2-40B4-BE49-F238E27FC236}">
+                <a16:creationId xmlns:a16="http://schemas.microsoft.com/office/drawing/2014/main" id="{12834A8F-0B7A-48F4-87A2-6D096F345399}"/>
+              </a:ext>
+            </a:extLst>
+          </p:cNvPr>
+          <p:cNvSpPr txBox="1"/>
+          <p:nvPr/>
+        </p:nvSpPr>
+        <p:spPr>
+          <a:xfrm>
+            <a:off x="6604000" y="122948"/>
+            <a:ext cx="6096000" cy="369332"/>
+          </a:xfrm>
+          <a:prstGeom prst="rect">
+            <a:avLst/>
+          </a:prstGeom>
+          <a:noFill/>
+        </p:spPr>
+        <p:txBody>
+          <a:bodyPr wrap="square" rtlCol="0">
+            <a:spAutoFit/>
+          </a:bodyPr>
+          <a:lstStyle/>
+          <a:p>
+            <a:r>
+              <a:rPr lang="fr-FR" b="1" dirty="0"/>
+              <a:t>PRENOM : </a:t>
+            </a:r>
+          </a:p>
+        </p:txBody>
+      </p:sp>
+    </p:spTree>
+    <p:extLst>
+      <p:ext uri="{BB962C8B-B14F-4D97-AF65-F5344CB8AC3E}">
+        <p14:creationId xmlns:p14="http://schemas.microsoft.com/office/powerpoint/2010/main" val="1805506672"/>
+      </p:ext>
+    </p:extLst>
+  </p:cSld>
+  <p:clrMapOvr>
+    <a:masterClrMapping/>
+  </p:clrMapOvr>
+</p:sld>
+</file>
+
+<file path=ppt/slides/slide2.xml><?xml version="1.0" encoding="utf-8"?>
+<p:sld xmlns:a="http://schemas.openxmlformats.org/drawingml/2006/main" xmlns:r="http://schemas.openxmlformats.org/officeDocument/2006/relationships" xmlns:p="http://schemas.openxmlformats.org/presentationml/2006/main">
+  <p:cSld>
+    <p:spTree>
+      <p:nvGrpSpPr>
+        <p:cNvPr id="1" name=""/>
+        <p:cNvGrpSpPr/>
+        <p:nvPr/>
+      </p:nvGrpSpPr>
+      <p:grpSpPr>
+        <a:xfrm>
+          <a:off x="0" y="0"/>
+          <a:ext cx="0" cy="0"/>
+          <a:chOff x="0" y="0"/>
+          <a:chExt cx="0" cy="0"/>
+        </a:xfrm>
+      </p:grpSpPr>
+      <mc:AlternateContent xmlns:mc="http://schemas.openxmlformats.org/markup-compatibility/2006" xmlns:a14="http://schemas.microsoft.com/office/drawing/2010/main">
+        <mc:Choice Requires="a14">
+          <p:graphicFrame>
+            <p:nvGraphicFramePr>
+              <p:cNvPr id="4" name="Tableau 3">
+                <a:extLst>
+                  <a:ext uri="{FF2B5EF4-FFF2-40B4-BE49-F238E27FC236}">
+                    <a16:creationId xmlns:a16="http://schemas.microsoft.com/office/drawing/2014/main" id="{2BEFDEB5-FB54-4F00-9CE0-5D70464C773A}"/>
+                  </a:ext>
+                </a:extLst>
+              </p:cNvPr>
+              <p:cNvGraphicFramePr>
+                <a:graphicFrameLocks noGrp="1"/>
+              </p:cNvGraphicFramePr>
+              <p:nvPr/>
             </p:nvGraphicFramePr>
             <p:xfrm>
               <a:off x="298174" y="719666"/>
@@ -6355,7 +10139,7 @@
     </p:spTree>
     <p:extLst>
       <p:ext uri="{BB962C8B-B14F-4D97-AF65-F5344CB8AC3E}">
-        <p14:creationId xmlns:p14="http://schemas.microsoft.com/office/powerpoint/2010/main" val="1805506672"/>
+        <p14:creationId xmlns:p14="http://schemas.microsoft.com/office/powerpoint/2010/main" val="3153692103"/>
       </p:ext>
     </p:extLst>
   </p:cSld>
@@ -6365,7 +10149,7 @@
 </p:sld>
 </file>
 
-<file path=ppt/slides/slide2.xml><?xml version="1.0" encoding="utf-8"?>
+<file path=ppt/slides/slide3.xml><?xml version="1.0" encoding="utf-8"?>
 <p:sld xmlns:a="http://schemas.openxmlformats.org/drawingml/2006/main" xmlns:r="http://schemas.openxmlformats.org/officeDocument/2006/relationships" xmlns:p="http://schemas.openxmlformats.org/presentationml/2006/main">
   <p:cSld>
     <p:spTree>
@@ -6382,8 +10166,8 @@
           <a:chExt cx="0" cy="0"/>
         </a:xfrm>
       </p:grpSpPr>
-      <mc:AlternateContent xmlns:mc="http://schemas.openxmlformats.org/markup-compatibility/2006">
-        <mc:Choice xmlns:a14="http://schemas.microsoft.com/office/drawing/2010/main" Requires="a14">
+      <mc:AlternateContent xmlns:mc="http://schemas.openxmlformats.org/markup-compatibility/2006" xmlns:a14="http://schemas.microsoft.com/office/drawing/2010/main">
+        <mc:Choice Requires="a14">
           <p:graphicFrame>
             <p:nvGraphicFramePr>
               <p:cNvPr id="4" name="Tableau 3">
@@ -7785,7 +11569,7 @@
             </a:graphic>
           </p:graphicFrame>
         </mc:Choice>
-        <mc:Fallback>
+        <mc:Fallback xmlns="">
           <p:graphicFrame>
             <p:nvGraphicFramePr>
               <p:cNvPr id="4" name="Tableau 3">
@@ -8699,8 +12483,8 @@
           </p:graphicFrame>
         </mc:Fallback>
       </mc:AlternateContent>
-      <mc:AlternateContent xmlns:mc="http://schemas.openxmlformats.org/markup-compatibility/2006">
-        <mc:Choice xmlns:a14="http://schemas.microsoft.com/office/drawing/2010/main" Requires="a14">
+      <mc:AlternateContent xmlns:mc="http://schemas.openxmlformats.org/markup-compatibility/2006" xmlns:a14="http://schemas.microsoft.com/office/drawing/2010/main">
+        <mc:Choice Requires="a14">
           <p:sp>
             <p:nvSpPr>
               <p:cNvPr id="5" name="Rectangle 4">
@@ -8910,13 +12694,7 @@
                           <a:rPr lang="fr-FR" i="1">
                             <a:latin typeface="Cambria Math" panose="02040503050406030204" pitchFamily="18" charset="0"/>
                           </a:rPr>
-                          <m:t>1</m:t>
-                        </m:r>
-                        <m:r>
-                          <a:rPr lang="fr-FR" i="1">
-                            <a:latin typeface="Cambria Math" panose="02040503050406030204" pitchFamily="18" charset="0"/>
-                          </a:rPr>
-                          <m:t>+</m:t>
+                          <m:t>1+</m:t>
                         </m:r>
                         <m:func>
                           <m:funcPr>
@@ -9103,6 +12881,7 @@
                 <a:endParaRPr lang="fr-FR" dirty="0"/>
               </a:p>
               <a:p>
+                <a:pPr/>
                 <a14:m>
                   <m:oMathPara xmlns:m="http://schemas.openxmlformats.org/officeDocument/2006/math">
                     <m:oMathParaPr>
@@ -9267,7 +13046,7 @@
             </p:txBody>
           </p:sp>
         </mc:Choice>
-        <mc:Fallback>
+        <mc:Fallback xmlns="">
           <p:sp>
             <p:nvSpPr>
               <p:cNvPr id="5" name="Rectangle 4">

--- a/Chapitre_01_Correction/TP/TP_01_Avion/TP_Avion.pptx
+++ b/Chapitre_01_Correction/TP/TP_01_Avion/TP_Avion.pptx
@@ -199,7 +199,7 @@
           <a:p>
             <a:fld id="{C240C68A-5976-4C18-963E-6265CB2FA456}" type="datetimeFigureOut">
               <a:rPr lang="fr-FR" smtClean="0"/>
-              <a:t>12/11/2020</a:t>
+              <a:t>13/11/2020</a:t>
             </a:fld>
             <a:endParaRPr lang="fr-FR"/>
           </a:p>
@@ -781,7 +781,7 @@
           <a:p>
             <a:fld id="{66F8A6B5-34C3-435F-B410-3D1C8E753568}" type="datetimeFigureOut">
               <a:rPr lang="fr-FR" smtClean="0"/>
-              <a:t>12/11/2020</a:t>
+              <a:t>13/11/2020</a:t>
             </a:fld>
             <a:endParaRPr lang="fr-FR"/>
           </a:p>
@@ -979,7 +979,7 @@
           <a:p>
             <a:fld id="{66F8A6B5-34C3-435F-B410-3D1C8E753568}" type="datetimeFigureOut">
               <a:rPr lang="fr-FR" smtClean="0"/>
-              <a:t>12/11/2020</a:t>
+              <a:t>13/11/2020</a:t>
             </a:fld>
             <a:endParaRPr lang="fr-FR"/>
           </a:p>
@@ -1187,7 +1187,7 @@
           <a:p>
             <a:fld id="{66F8A6B5-34C3-435F-B410-3D1C8E753568}" type="datetimeFigureOut">
               <a:rPr lang="fr-FR" smtClean="0"/>
-              <a:t>12/11/2020</a:t>
+              <a:t>13/11/2020</a:t>
             </a:fld>
             <a:endParaRPr lang="fr-FR"/>
           </a:p>
@@ -1385,7 +1385,7 @@
           <a:p>
             <a:fld id="{66F8A6B5-34C3-435F-B410-3D1C8E753568}" type="datetimeFigureOut">
               <a:rPr lang="fr-FR" smtClean="0"/>
-              <a:t>12/11/2020</a:t>
+              <a:t>13/11/2020</a:t>
             </a:fld>
             <a:endParaRPr lang="fr-FR"/>
           </a:p>
@@ -1660,7 +1660,7 @@
           <a:p>
             <a:fld id="{66F8A6B5-34C3-435F-B410-3D1C8E753568}" type="datetimeFigureOut">
               <a:rPr lang="fr-FR" smtClean="0"/>
-              <a:t>12/11/2020</a:t>
+              <a:t>13/11/2020</a:t>
             </a:fld>
             <a:endParaRPr lang="fr-FR"/>
           </a:p>
@@ -1925,7 +1925,7 @@
           <a:p>
             <a:fld id="{66F8A6B5-34C3-435F-B410-3D1C8E753568}" type="datetimeFigureOut">
               <a:rPr lang="fr-FR" smtClean="0"/>
-              <a:t>12/11/2020</a:t>
+              <a:t>13/11/2020</a:t>
             </a:fld>
             <a:endParaRPr lang="fr-FR"/>
           </a:p>
@@ -2337,7 +2337,7 @@
           <a:p>
             <a:fld id="{66F8A6B5-34C3-435F-B410-3D1C8E753568}" type="datetimeFigureOut">
               <a:rPr lang="fr-FR" smtClean="0"/>
-              <a:t>12/11/2020</a:t>
+              <a:t>13/11/2020</a:t>
             </a:fld>
             <a:endParaRPr lang="fr-FR"/>
           </a:p>
@@ -2478,7 +2478,7 @@
           <a:p>
             <a:fld id="{66F8A6B5-34C3-435F-B410-3D1C8E753568}" type="datetimeFigureOut">
               <a:rPr lang="fr-FR" smtClean="0"/>
-              <a:t>12/11/2020</a:t>
+              <a:t>13/11/2020</a:t>
             </a:fld>
             <a:endParaRPr lang="fr-FR"/>
           </a:p>
@@ -2591,7 +2591,7 @@
           <a:p>
             <a:fld id="{66F8A6B5-34C3-435F-B410-3D1C8E753568}" type="datetimeFigureOut">
               <a:rPr lang="fr-FR" smtClean="0"/>
-              <a:t>12/11/2020</a:t>
+              <a:t>13/11/2020</a:t>
             </a:fld>
             <a:endParaRPr lang="fr-FR"/>
           </a:p>
@@ -2902,7 +2902,7 @@
           <a:p>
             <a:fld id="{66F8A6B5-34C3-435F-B410-3D1C8E753568}" type="datetimeFigureOut">
               <a:rPr lang="fr-FR" smtClean="0"/>
-              <a:t>12/11/2020</a:t>
+              <a:t>13/11/2020</a:t>
             </a:fld>
             <a:endParaRPr lang="fr-FR"/>
           </a:p>
@@ -3190,7 +3190,7 @@
           <a:p>
             <a:fld id="{66F8A6B5-34C3-435F-B410-3D1C8E753568}" type="datetimeFigureOut">
               <a:rPr lang="fr-FR" smtClean="0"/>
-              <a:t>12/11/2020</a:t>
+              <a:t>13/11/2020</a:t>
             </a:fld>
             <a:endParaRPr lang="fr-FR"/>
           </a:p>
@@ -3431,7 +3431,7 @@
           <a:p>
             <a:fld id="{66F8A6B5-34C3-435F-B410-3D1C8E753568}" type="datetimeFigureOut">
               <a:rPr lang="fr-FR" smtClean="0"/>
-              <a:t>12/11/2020</a:t>
+              <a:t>13/11/2020</a:t>
             </a:fld>
             <a:endParaRPr lang="fr-FR"/>
           </a:p>
@@ -3865,7 +3865,7 @@
               <p:nvPr>
                 <p:extLst>
                   <p:ext uri="{D42A27DB-BD31-4B8C-83A1-F6EECF244321}">
-                    <p14:modId xmlns:p14="http://schemas.microsoft.com/office/powerpoint/2010/main" val="3655666923"/>
+                    <p14:modId xmlns:p14="http://schemas.microsoft.com/office/powerpoint/2010/main" val="40130181"/>
                   </p:ext>
                 </p:extLst>
               </p:nvPr>
@@ -4411,7 +4411,7 @@
                                       <a:schemeClr val="tx1"/>
                                     </a:solidFill>
                                     <a:effectLst/>
-                                    <a:latin typeface="+mn-lt"/>
+                                    <a:latin typeface="Cambria Math" panose="02040503050406030204" pitchFamily="18" charset="0"/>
                                     <a:ea typeface="+mn-ea"/>
                                     <a:cs typeface="+mn-cs"/>
                                   </a:rPr>
@@ -4425,7 +4425,7 @@
                                           <a:schemeClr val="tx1"/>
                                         </a:solidFill>
                                         <a:effectLst/>
-                                        <a:latin typeface="+mn-lt"/>
+                                        <a:latin typeface="Cambria Math" panose="02040503050406030204" pitchFamily="18" charset="0"/>
                                         <a:ea typeface="+mn-ea"/>
                                         <a:cs typeface="+mn-cs"/>
                                       </a:rPr>
@@ -4438,7 +4438,7 @@
                                           <a:schemeClr val="tx1"/>
                                         </a:solidFill>
                                         <a:effectLst/>
-                                        <a:latin typeface="+mn-lt"/>
+                                        <a:latin typeface="Cambria Math" panose="02040503050406030204" pitchFamily="18" charset="0"/>
                                         <a:ea typeface="+mn-ea"/>
                                         <a:cs typeface="+mn-cs"/>
                                       </a:rPr>
@@ -4450,7 +4450,7 @@
                                           <a:schemeClr val="tx1"/>
                                         </a:solidFill>
                                         <a:effectLst/>
-                                        <a:latin typeface="+mn-lt"/>
+                                        <a:latin typeface="Cambria Math" panose="02040503050406030204" pitchFamily="18" charset="0"/>
                                         <a:ea typeface="+mn-ea"/>
                                         <a:cs typeface="+mn-cs"/>
                                       </a:rPr>
@@ -4462,7 +4462,7 @@
                                           <a:schemeClr val="tx1"/>
                                         </a:solidFill>
                                         <a:effectLst/>
-                                        <a:latin typeface="+mn-lt"/>
+                                        <a:latin typeface="Cambria Math" panose="02040503050406030204" pitchFamily="18" charset="0"/>
                                         <a:ea typeface="+mn-ea"/>
                                         <a:cs typeface="+mn-cs"/>
                                       </a:rPr>
@@ -4474,7 +4474,7 @@
                                           <a:schemeClr val="tx1"/>
                                         </a:solidFill>
                                         <a:effectLst/>
-                                        <a:latin typeface="+mn-lt"/>
+                                        <a:latin typeface="Cambria Math" panose="02040503050406030204" pitchFamily="18" charset="0"/>
                                         <a:ea typeface="+mn-ea"/>
                                         <a:cs typeface="+mn-cs"/>
                                       </a:rPr>
@@ -4486,7 +4486,7 @@
                                           <a:schemeClr val="tx1"/>
                                         </a:solidFill>
                                         <a:effectLst/>
-                                        <a:latin typeface="+mn-lt"/>
+                                        <a:latin typeface="Cambria Math" panose="02040503050406030204" pitchFamily="18" charset="0"/>
                                         <a:ea typeface="+mn-ea"/>
                                         <a:cs typeface="+mn-cs"/>
                                       </a:rPr>
@@ -4500,7 +4500,7 @@
                                           <a:schemeClr val="tx1"/>
                                         </a:solidFill>
                                         <a:effectLst/>
-                                        <a:latin typeface="+mn-lt"/>
+                                        <a:latin typeface="Cambria Math" panose="02040503050406030204" pitchFamily="18" charset="0"/>
                                         <a:ea typeface="+mn-ea"/>
                                         <a:cs typeface="+mn-cs"/>
                                       </a:rPr>
@@ -4512,7 +4512,7 @@
                                           <a:schemeClr val="tx1"/>
                                         </a:solidFill>
                                         <a:effectLst/>
-                                        <a:latin typeface="+mn-lt"/>
+                                        <a:latin typeface="Cambria Math" panose="02040503050406030204" pitchFamily="18" charset="0"/>
                                         <a:ea typeface="+mn-ea"/>
                                         <a:cs typeface="+mn-cs"/>
                                       </a:rPr>
@@ -4524,7 +4524,7 @@
                                           <a:schemeClr val="tx1"/>
                                         </a:solidFill>
                                         <a:effectLst/>
-                                        <a:latin typeface="+mn-lt"/>
+                                        <a:latin typeface="Cambria Math" panose="02040503050406030204" pitchFamily="18" charset="0"/>
                                         <a:ea typeface="+mn-ea"/>
                                         <a:cs typeface="+mn-cs"/>
                                       </a:rPr>
@@ -4536,7 +4536,7 @@
                                           <a:schemeClr val="tx1"/>
                                         </a:solidFill>
                                         <a:effectLst/>
-                                        <a:latin typeface="+mn-lt"/>
+                                        <a:latin typeface="Cambria Math" panose="02040503050406030204" pitchFamily="18" charset="0"/>
                                         <a:ea typeface="+mn-ea"/>
                                         <a:cs typeface="+mn-cs"/>
                                       </a:rPr>
@@ -4548,7 +4548,7 @@
                                           <a:schemeClr val="tx1"/>
                                         </a:solidFill>
                                         <a:effectLst/>
-                                        <a:latin typeface="+mn-lt"/>
+                                        <a:latin typeface="Cambria Math" panose="02040503050406030204" pitchFamily="18" charset="0"/>
                                         <a:ea typeface="+mn-ea"/>
                                         <a:cs typeface="+mn-cs"/>
                                       </a:rPr>
@@ -4560,7 +4560,7 @@
                                           <a:schemeClr val="tx1"/>
                                         </a:solidFill>
                                         <a:effectLst/>
-                                        <a:latin typeface="+mn-lt"/>
+                                        <a:latin typeface="Cambria Math" panose="02040503050406030204" pitchFamily="18" charset="0"/>
                                         <a:ea typeface="+mn-ea"/>
                                         <a:cs typeface="+mn-cs"/>
                                       </a:rPr>
@@ -4572,7 +4572,7 @@
                                           <a:schemeClr val="tx1"/>
                                         </a:solidFill>
                                         <a:effectLst/>
-                                        <a:latin typeface="+mn-lt"/>
+                                        <a:latin typeface="Cambria Math" panose="02040503050406030204" pitchFamily="18" charset="0"/>
                                         <a:ea typeface="+mn-ea"/>
                                         <a:cs typeface="+mn-cs"/>
                                       </a:rPr>
@@ -5043,12 +5043,20 @@
                         <a:lstStyle/>
                         <a:p>
                           <a:r>
+                            <a:rPr lang="fr-FR" sz="1200" b="1" dirty="0" smtClean="0">
+                              <a:solidFill>
+                                <a:schemeClr val="tx1"/>
+                              </a:solidFill>
+                            </a:rPr>
+                            <a:t>Paramètres </a:t>
+                          </a:r>
+                          <a:r>
                             <a:rPr lang="fr-FR" sz="1200" b="1" dirty="0">
                               <a:solidFill>
                                 <a:schemeClr val="tx1"/>
                               </a:solidFill>
                             </a:rPr>
-                            <a:t>Paramètre du correcteur</a:t>
+                            <a:t>du correcteur</a:t>
                           </a:r>
                         </a:p>
                       </a:txBody>
@@ -6108,7 +6116,7 @@
               <p:nvPr>
                 <p:extLst>
                   <p:ext uri="{D42A27DB-BD31-4B8C-83A1-F6EECF244321}">
-                    <p14:modId xmlns:p14="http://schemas.microsoft.com/office/powerpoint/2010/main" val="3655666923"/>
+                    <p14:modId xmlns:p14="http://schemas.microsoft.com/office/powerpoint/2010/main" val="40130181"/>
                   </p:ext>
                 </p:extLst>
               </p:nvPr>
@@ -6403,12 +6411,20 @@
                         <a:lstStyle/>
                         <a:p>
                           <a:r>
+                            <a:rPr lang="fr-FR" sz="1200" b="1" dirty="0" smtClean="0">
+                              <a:solidFill>
+                                <a:schemeClr val="tx1"/>
+                              </a:solidFill>
+                            </a:rPr>
+                            <a:t>Paramètres </a:t>
+                          </a:r>
+                          <a:r>
                             <a:rPr lang="fr-FR" sz="1200" b="1" dirty="0">
                               <a:solidFill>
                                 <a:schemeClr val="tx1"/>
                               </a:solidFill>
                             </a:rPr>
-                            <a:t>Paramètre du correcteur</a:t>
+                            <a:t>du correcteur</a:t>
                           </a:r>
                         </a:p>
                       </a:txBody>
